--- a/assets/logo.pptx
+++ b/assets/logo.pptx
@@ -2,18 +2,19 @@
 <file path=ppt/presentation.xml><?xml version="1.0" encoding="utf-8"?>
 <p:presentation xmlns:a="http://schemas.openxmlformats.org/drawingml/2006/main" xmlns:r="http://schemas.openxmlformats.org/officeDocument/2006/relationships" xmlns:p="http://schemas.openxmlformats.org/presentationml/2006/main" saveSubsetFonts="1" autoCompressPictures="0">
   <p:sldMasterIdLst>
-    <p:sldMasterId id="2147483648" r:id="rId1"/>
+    <p:sldMasterId id="2147483660" r:id="rId1"/>
   </p:sldMasterIdLst>
   <p:sldIdLst>
     <p:sldId id="257" r:id="rId2"/>
+    <p:sldId id="258" r:id="rId3"/>
   </p:sldIdLst>
-  <p:sldSz cx="12192000" cy="6858000"/>
+  <p:sldSz cx="7199313" cy="7199313"/>
   <p:notesSz cx="6858000" cy="9144000"/>
   <p:defaultTextStyle>
     <a:defPPr>
       <a:defRPr lang="en-US"/>
     </a:defPPr>
-    <a:lvl1pPr marL="0" algn="l" defTabSz="914400" rtl="0" eaLnBrk="1" latinLnBrk="0" hangingPunct="1">
+    <a:lvl1pPr marL="0" algn="l" defTabSz="457200" rtl="0" eaLnBrk="1" latinLnBrk="0" hangingPunct="1">
       <a:defRPr sz="1800" kern="1200">
         <a:solidFill>
           <a:schemeClr val="tx1"/>
@@ -23,7 +24,7 @@
         <a:cs typeface="+mn-cs"/>
       </a:defRPr>
     </a:lvl1pPr>
-    <a:lvl2pPr marL="457200" algn="l" defTabSz="914400" rtl="0" eaLnBrk="1" latinLnBrk="0" hangingPunct="1">
+    <a:lvl2pPr marL="457200" algn="l" defTabSz="457200" rtl="0" eaLnBrk="1" latinLnBrk="0" hangingPunct="1">
       <a:defRPr sz="1800" kern="1200">
         <a:solidFill>
           <a:schemeClr val="tx1"/>
@@ -33,7 +34,7 @@
         <a:cs typeface="+mn-cs"/>
       </a:defRPr>
     </a:lvl2pPr>
-    <a:lvl3pPr marL="914400" algn="l" defTabSz="914400" rtl="0" eaLnBrk="1" latinLnBrk="0" hangingPunct="1">
+    <a:lvl3pPr marL="914400" algn="l" defTabSz="457200" rtl="0" eaLnBrk="1" latinLnBrk="0" hangingPunct="1">
       <a:defRPr sz="1800" kern="1200">
         <a:solidFill>
           <a:schemeClr val="tx1"/>
@@ -43,7 +44,7 @@
         <a:cs typeface="+mn-cs"/>
       </a:defRPr>
     </a:lvl3pPr>
-    <a:lvl4pPr marL="1371600" algn="l" defTabSz="914400" rtl="0" eaLnBrk="1" latinLnBrk="0" hangingPunct="1">
+    <a:lvl4pPr marL="1371600" algn="l" defTabSz="457200" rtl="0" eaLnBrk="1" latinLnBrk="0" hangingPunct="1">
       <a:defRPr sz="1800" kern="1200">
         <a:solidFill>
           <a:schemeClr val="tx1"/>
@@ -53,7 +54,7 @@
         <a:cs typeface="+mn-cs"/>
       </a:defRPr>
     </a:lvl4pPr>
-    <a:lvl5pPr marL="1828800" algn="l" defTabSz="914400" rtl="0" eaLnBrk="1" latinLnBrk="0" hangingPunct="1">
+    <a:lvl5pPr marL="1828800" algn="l" defTabSz="457200" rtl="0" eaLnBrk="1" latinLnBrk="0" hangingPunct="1">
       <a:defRPr sz="1800" kern="1200">
         <a:solidFill>
           <a:schemeClr val="tx1"/>
@@ -63,7 +64,7 @@
         <a:cs typeface="+mn-cs"/>
       </a:defRPr>
     </a:lvl5pPr>
-    <a:lvl6pPr marL="2286000" algn="l" defTabSz="914400" rtl="0" eaLnBrk="1" latinLnBrk="0" hangingPunct="1">
+    <a:lvl6pPr marL="2286000" algn="l" defTabSz="457200" rtl="0" eaLnBrk="1" latinLnBrk="0" hangingPunct="1">
       <a:defRPr sz="1800" kern="1200">
         <a:solidFill>
           <a:schemeClr val="tx1"/>
@@ -73,7 +74,7 @@
         <a:cs typeface="+mn-cs"/>
       </a:defRPr>
     </a:lvl6pPr>
-    <a:lvl7pPr marL="2743200" algn="l" defTabSz="914400" rtl="0" eaLnBrk="1" latinLnBrk="0" hangingPunct="1">
+    <a:lvl7pPr marL="2743200" algn="l" defTabSz="457200" rtl="0" eaLnBrk="1" latinLnBrk="0" hangingPunct="1">
       <a:defRPr sz="1800" kern="1200">
         <a:solidFill>
           <a:schemeClr val="tx1"/>
@@ -83,7 +84,7 @@
         <a:cs typeface="+mn-cs"/>
       </a:defRPr>
     </a:lvl7pPr>
-    <a:lvl8pPr marL="3200400" algn="l" defTabSz="914400" rtl="0" eaLnBrk="1" latinLnBrk="0" hangingPunct="1">
+    <a:lvl8pPr marL="3200400" algn="l" defTabSz="457200" rtl="0" eaLnBrk="1" latinLnBrk="0" hangingPunct="1">
       <a:defRPr sz="1800" kern="1200">
         <a:solidFill>
           <a:schemeClr val="tx1"/>
@@ -93,7 +94,7 @@
         <a:cs typeface="+mn-cs"/>
       </a:defRPr>
     </a:lvl8pPr>
-    <a:lvl9pPr marL="3657600" algn="l" defTabSz="914400" rtl="0" eaLnBrk="1" latinLnBrk="0" hangingPunct="1">
+    <a:lvl9pPr marL="3657600" algn="l" defTabSz="457200" rtl="0" eaLnBrk="1" latinLnBrk="0" hangingPunct="1">
       <a:defRPr sz="1800" kern="1200">
         <a:solidFill>
           <a:schemeClr val="tx1"/>
@@ -107,12 +108,12 @@
   <p:extLst>
     <p:ext uri="{EFAFB233-063F-42B5-8137-9DF3F51BA10A}">
       <p15:sldGuideLst xmlns:p15="http://schemas.microsoft.com/office/powerpoint/2012/main">
-        <p15:guide id="1" orient="horz" pos="1457" userDrawn="1">
+        <p15:guide id="1" orient="horz" pos="1530" userDrawn="1">
           <p15:clr>
             <a:srgbClr val="A4A3A4"/>
           </p15:clr>
         </p15:guide>
-        <p15:guide id="2" pos="2298" userDrawn="1">
+        <p15:guide id="2" pos="1357" userDrawn="1">
           <p15:clr>
             <a:srgbClr val="A4A3A4"/>
           </p15:clr>
@@ -142,13 +143,7 @@
       </p:grpSpPr>
       <p:sp>
         <p:nvSpPr>
-          <p:cNvPr id="2" name="Title 1">
-            <a:extLst>
-              <a:ext uri="{FF2B5EF4-FFF2-40B4-BE49-F238E27FC236}">
-                <a16:creationId xmlns:a16="http://schemas.microsoft.com/office/drawing/2014/main" id="{85022C94-79B5-1848-B767-77E1BAA44D42}"/>
-              </a:ext>
-            </a:extLst>
-          </p:cNvPr>
+          <p:cNvPr id="2" name="Title 1"/>
           <p:cNvSpPr>
             <a:spLocks noGrp="1"/>
           </p:cNvSpPr>
@@ -158,15 +153,15 @@
         </p:nvSpPr>
         <p:spPr>
           <a:xfrm>
-            <a:off x="1524000" y="1122363"/>
-            <a:ext cx="9144000" cy="2387600"/>
+            <a:off x="539949" y="1178222"/>
+            <a:ext cx="6119416" cy="2506427"/>
           </a:xfrm>
         </p:spPr>
         <p:txBody>
           <a:bodyPr anchor="b"/>
           <a:lstStyle>
             <a:lvl1pPr algn="ctr">
-              <a:defRPr sz="6000"/>
+              <a:defRPr sz="4724"/>
             </a:lvl1pPr>
           </a:lstStyle>
           <a:p>
@@ -174,19 +169,13 @@
               <a:rPr lang="en-GB"/>
               <a:t>Click to edit Master title style</a:t>
             </a:r>
-            <a:endParaRPr lang="en-US"/>
-          </a:p>
-        </p:txBody>
-      </p:sp>
-      <p:sp>
-        <p:nvSpPr>
-          <p:cNvPr id="3" name="Subtitle 2">
-            <a:extLst>
-              <a:ext uri="{FF2B5EF4-FFF2-40B4-BE49-F238E27FC236}">
-                <a16:creationId xmlns:a16="http://schemas.microsoft.com/office/drawing/2014/main" id="{4412FCD6-FFDC-0541-B296-E9F5F1331C9D}"/>
-              </a:ext>
-            </a:extLst>
-          </p:cNvPr>
+            <a:endParaRPr lang="en-US" dirty="0"/>
+          </a:p>
+        </p:txBody>
+      </p:sp>
+      <p:sp>
+        <p:nvSpPr>
+          <p:cNvPr id="3" name="Subtitle 2"/>
           <p:cNvSpPr>
             <a:spLocks noGrp="1"/>
           </p:cNvSpPr>
@@ -196,8 +185,8 @@
         </p:nvSpPr>
         <p:spPr>
           <a:xfrm>
-            <a:off x="1524000" y="3602038"/>
-            <a:ext cx="9144000" cy="1655762"/>
+            <a:off x="899914" y="3781306"/>
+            <a:ext cx="5399485" cy="1738167"/>
           </a:xfrm>
         </p:spPr>
         <p:txBody>
@@ -205,39 +194,39 @@
           <a:lstStyle>
             <a:lvl1pPr marL="0" indent="0" algn="ctr">
               <a:buNone/>
-              <a:defRPr sz="2400"/>
+              <a:defRPr sz="1890"/>
             </a:lvl1pPr>
-            <a:lvl2pPr marL="457200" indent="0" algn="ctr">
-              <a:buNone/>
-              <a:defRPr sz="2000"/>
+            <a:lvl2pPr marL="359954" indent="0" algn="ctr">
+              <a:buNone/>
+              <a:defRPr sz="1575"/>
             </a:lvl2pPr>
-            <a:lvl3pPr marL="914400" indent="0" algn="ctr">
-              <a:buNone/>
-              <a:defRPr sz="1800"/>
+            <a:lvl3pPr marL="719907" indent="0" algn="ctr">
+              <a:buNone/>
+              <a:defRPr sz="1417"/>
             </a:lvl3pPr>
-            <a:lvl4pPr marL="1371600" indent="0" algn="ctr">
-              <a:buNone/>
-              <a:defRPr sz="1600"/>
+            <a:lvl4pPr marL="1079861" indent="0" algn="ctr">
+              <a:buNone/>
+              <a:defRPr sz="1260"/>
             </a:lvl4pPr>
-            <a:lvl5pPr marL="1828800" indent="0" algn="ctr">
-              <a:buNone/>
-              <a:defRPr sz="1600"/>
+            <a:lvl5pPr marL="1439814" indent="0" algn="ctr">
+              <a:buNone/>
+              <a:defRPr sz="1260"/>
             </a:lvl5pPr>
-            <a:lvl6pPr marL="2286000" indent="0" algn="ctr">
-              <a:buNone/>
-              <a:defRPr sz="1600"/>
+            <a:lvl6pPr marL="1799768" indent="0" algn="ctr">
+              <a:buNone/>
+              <a:defRPr sz="1260"/>
             </a:lvl6pPr>
-            <a:lvl7pPr marL="2743200" indent="0" algn="ctr">
-              <a:buNone/>
-              <a:defRPr sz="1600"/>
+            <a:lvl7pPr marL="2159721" indent="0" algn="ctr">
+              <a:buNone/>
+              <a:defRPr sz="1260"/>
             </a:lvl7pPr>
-            <a:lvl8pPr marL="3200400" indent="0" algn="ctr">
-              <a:buNone/>
-              <a:defRPr sz="1600"/>
+            <a:lvl8pPr marL="2519675" indent="0" algn="ctr">
+              <a:buNone/>
+              <a:defRPr sz="1260"/>
             </a:lvl8pPr>
-            <a:lvl9pPr marL="3657600" indent="0" algn="ctr">
-              <a:buNone/>
-              <a:defRPr sz="1600"/>
+            <a:lvl9pPr marL="2879628" indent="0" algn="ctr">
+              <a:buNone/>
+              <a:defRPr sz="1260"/>
             </a:lvl9pPr>
           </a:lstStyle>
           <a:p>
@@ -245,19 +234,13 @@
               <a:rPr lang="en-GB"/>
               <a:t>Click to edit Master subtitle style</a:t>
             </a:r>
-            <a:endParaRPr lang="en-US"/>
-          </a:p>
-        </p:txBody>
-      </p:sp>
-      <p:sp>
-        <p:nvSpPr>
-          <p:cNvPr id="4" name="Date Placeholder 3">
-            <a:extLst>
-              <a:ext uri="{FF2B5EF4-FFF2-40B4-BE49-F238E27FC236}">
-                <a16:creationId xmlns:a16="http://schemas.microsoft.com/office/drawing/2014/main" id="{141FB593-B155-0341-ABE1-E3B9CAD32CBE}"/>
-              </a:ext>
-            </a:extLst>
-          </p:cNvPr>
+            <a:endParaRPr lang="en-US" dirty="0"/>
+          </a:p>
+        </p:txBody>
+      </p:sp>
+      <p:sp>
+        <p:nvSpPr>
+          <p:cNvPr id="4" name="Date Placeholder 3"/>
           <p:cNvSpPr>
             <a:spLocks noGrp="1"/>
           </p:cNvSpPr>
@@ -272,7 +255,7 @@
           <a:p>
             <a:fld id="{7FC4F374-40D8-2645-8AD3-193B0A4A1F7C}" type="datetimeFigureOut">
               <a:rPr lang="en-US" smtClean="0"/>
-              <a:t>8/12/21</a:t>
+              <a:t>9/28/21</a:t>
             </a:fld>
             <a:endParaRPr lang="en-US" dirty="0"/>
           </a:p>
@@ -280,13 +263,7 @@
       </p:sp>
       <p:sp>
         <p:nvSpPr>
-          <p:cNvPr id="5" name="Footer Placeholder 4">
-            <a:extLst>
-              <a:ext uri="{FF2B5EF4-FFF2-40B4-BE49-F238E27FC236}">
-                <a16:creationId xmlns:a16="http://schemas.microsoft.com/office/drawing/2014/main" id="{5A2F539E-7832-D746-8D86-E2CF93277070}"/>
-              </a:ext>
-            </a:extLst>
-          </p:cNvPr>
+          <p:cNvPr id="5" name="Footer Placeholder 4"/>
           <p:cNvSpPr>
             <a:spLocks noGrp="1"/>
           </p:cNvSpPr>
@@ -305,13 +282,7 @@
       </p:sp>
       <p:sp>
         <p:nvSpPr>
-          <p:cNvPr id="6" name="Slide Number Placeholder 5">
-            <a:extLst>
-              <a:ext uri="{FF2B5EF4-FFF2-40B4-BE49-F238E27FC236}">
-                <a16:creationId xmlns:a16="http://schemas.microsoft.com/office/drawing/2014/main" id="{CA26302F-BDFF-814C-B163-799A8E632621}"/>
-              </a:ext>
-            </a:extLst>
-          </p:cNvPr>
+          <p:cNvPr id="6" name="Slide Number Placeholder 5"/>
           <p:cNvSpPr>
             <a:spLocks noGrp="1"/>
           </p:cNvSpPr>
@@ -335,7 +306,7 @@
     </p:spTree>
     <p:extLst>
       <p:ext uri="{BB962C8B-B14F-4D97-AF65-F5344CB8AC3E}">
-        <p14:creationId xmlns:p14="http://schemas.microsoft.com/office/powerpoint/2010/main" val="756824103"/>
+        <p14:creationId xmlns:p14="http://schemas.microsoft.com/office/powerpoint/2010/main" val="243875983"/>
       </p:ext>
     </p:extLst>
   </p:cSld>
@@ -364,13 +335,7 @@
       </p:grpSpPr>
       <p:sp>
         <p:nvSpPr>
-          <p:cNvPr id="2" name="Title 1">
-            <a:extLst>
-              <a:ext uri="{FF2B5EF4-FFF2-40B4-BE49-F238E27FC236}">
-                <a16:creationId xmlns:a16="http://schemas.microsoft.com/office/drawing/2014/main" id="{25A7C7AA-DA0A-AA48-9C8F-27F76841328A}"/>
-              </a:ext>
-            </a:extLst>
-          </p:cNvPr>
+          <p:cNvPr id="2" name="Title 1"/>
           <p:cNvSpPr>
             <a:spLocks noGrp="1"/>
           </p:cNvSpPr>
@@ -387,19 +352,13 @@
               <a:rPr lang="en-GB"/>
               <a:t>Click to edit Master title style</a:t>
             </a:r>
-            <a:endParaRPr lang="en-US"/>
-          </a:p>
-        </p:txBody>
-      </p:sp>
-      <p:sp>
-        <p:nvSpPr>
-          <p:cNvPr id="3" name="Vertical Text Placeholder 2">
-            <a:extLst>
-              <a:ext uri="{FF2B5EF4-FFF2-40B4-BE49-F238E27FC236}">
-                <a16:creationId xmlns:a16="http://schemas.microsoft.com/office/drawing/2014/main" id="{5E9E812C-B58E-3147-93FE-54B84382E05A}"/>
-              </a:ext>
-            </a:extLst>
-          </p:cNvPr>
+            <a:endParaRPr lang="en-US" dirty="0"/>
+          </a:p>
+        </p:txBody>
+      </p:sp>
+      <p:sp>
+        <p:nvSpPr>
+          <p:cNvPr id="3" name="Vertical Text Placeholder 2"/>
           <p:cNvSpPr>
             <a:spLocks noGrp="1"/>
           </p:cNvSpPr>
@@ -445,19 +404,13 @@
               <a:rPr lang="en-GB"/>
               <a:t>Fifth level</a:t>
             </a:r>
-            <a:endParaRPr lang="en-US"/>
-          </a:p>
-        </p:txBody>
-      </p:sp>
-      <p:sp>
-        <p:nvSpPr>
-          <p:cNvPr id="4" name="Date Placeholder 3">
-            <a:extLst>
-              <a:ext uri="{FF2B5EF4-FFF2-40B4-BE49-F238E27FC236}">
-                <a16:creationId xmlns:a16="http://schemas.microsoft.com/office/drawing/2014/main" id="{66A42140-E3DC-3441-BC53-34C6E104FB21}"/>
-              </a:ext>
-            </a:extLst>
-          </p:cNvPr>
+            <a:endParaRPr lang="en-US" dirty="0"/>
+          </a:p>
+        </p:txBody>
+      </p:sp>
+      <p:sp>
+        <p:nvSpPr>
+          <p:cNvPr id="4" name="Date Placeholder 3"/>
           <p:cNvSpPr>
             <a:spLocks noGrp="1"/>
           </p:cNvSpPr>
@@ -472,7 +425,7 @@
           <a:p>
             <a:fld id="{7FC4F374-40D8-2645-8AD3-193B0A4A1F7C}" type="datetimeFigureOut">
               <a:rPr lang="en-US" smtClean="0"/>
-              <a:t>8/12/21</a:t>
+              <a:t>9/28/21</a:t>
             </a:fld>
             <a:endParaRPr lang="en-US" dirty="0"/>
           </a:p>
@@ -480,13 +433,7 @@
       </p:sp>
       <p:sp>
         <p:nvSpPr>
-          <p:cNvPr id="5" name="Footer Placeholder 4">
-            <a:extLst>
-              <a:ext uri="{FF2B5EF4-FFF2-40B4-BE49-F238E27FC236}">
-                <a16:creationId xmlns:a16="http://schemas.microsoft.com/office/drawing/2014/main" id="{3C19CCC5-70C5-7A4C-B7DB-17D8B2AFD9C4}"/>
-              </a:ext>
-            </a:extLst>
-          </p:cNvPr>
+          <p:cNvPr id="5" name="Footer Placeholder 4"/>
           <p:cNvSpPr>
             <a:spLocks noGrp="1"/>
           </p:cNvSpPr>
@@ -505,13 +452,7 @@
       </p:sp>
       <p:sp>
         <p:nvSpPr>
-          <p:cNvPr id="6" name="Slide Number Placeholder 5">
-            <a:extLst>
-              <a:ext uri="{FF2B5EF4-FFF2-40B4-BE49-F238E27FC236}">
-                <a16:creationId xmlns:a16="http://schemas.microsoft.com/office/drawing/2014/main" id="{B67846FF-162E-BA4D-9294-131F72450C16}"/>
-              </a:ext>
-            </a:extLst>
-          </p:cNvPr>
+          <p:cNvPr id="6" name="Slide Number Placeholder 5"/>
           <p:cNvSpPr>
             <a:spLocks noGrp="1"/>
           </p:cNvSpPr>
@@ -535,7 +476,7 @@
     </p:spTree>
     <p:extLst>
       <p:ext uri="{BB962C8B-B14F-4D97-AF65-F5344CB8AC3E}">
-        <p14:creationId xmlns:p14="http://schemas.microsoft.com/office/powerpoint/2010/main" val="3736348047"/>
+        <p14:creationId xmlns:p14="http://schemas.microsoft.com/office/powerpoint/2010/main" val="40884907"/>
       </p:ext>
     </p:extLst>
   </p:cSld>
@@ -564,13 +505,7 @@
       </p:grpSpPr>
       <p:sp>
         <p:nvSpPr>
-          <p:cNvPr id="2" name="Vertical Title 1">
-            <a:extLst>
-              <a:ext uri="{FF2B5EF4-FFF2-40B4-BE49-F238E27FC236}">
-                <a16:creationId xmlns:a16="http://schemas.microsoft.com/office/drawing/2014/main" id="{829815B6-20B4-554C-A5E9-ED9A4CDAF86D}"/>
-              </a:ext>
-            </a:extLst>
-          </p:cNvPr>
+          <p:cNvPr id="2" name="Vertical Title 1"/>
           <p:cNvSpPr>
             <a:spLocks noGrp="1"/>
           </p:cNvSpPr>
@@ -580,8 +515,8 @@
         </p:nvSpPr>
         <p:spPr>
           <a:xfrm>
-            <a:off x="8724900" y="365125"/>
-            <a:ext cx="2628900" cy="5811838"/>
+            <a:off x="5152009" y="383297"/>
+            <a:ext cx="1552352" cy="6101085"/>
           </a:xfrm>
         </p:spPr>
         <p:txBody>
@@ -592,19 +527,13 @@
               <a:rPr lang="en-GB"/>
               <a:t>Click to edit Master title style</a:t>
             </a:r>
-            <a:endParaRPr lang="en-US"/>
-          </a:p>
-        </p:txBody>
-      </p:sp>
-      <p:sp>
-        <p:nvSpPr>
-          <p:cNvPr id="3" name="Vertical Text Placeholder 2">
-            <a:extLst>
-              <a:ext uri="{FF2B5EF4-FFF2-40B4-BE49-F238E27FC236}">
-                <a16:creationId xmlns:a16="http://schemas.microsoft.com/office/drawing/2014/main" id="{6D6996C4-444D-DC47-AB27-3E8C04EDB58C}"/>
-              </a:ext>
-            </a:extLst>
-          </p:cNvPr>
+            <a:endParaRPr lang="en-US" dirty="0"/>
+          </a:p>
+        </p:txBody>
+      </p:sp>
+      <p:sp>
+        <p:nvSpPr>
+          <p:cNvPr id="3" name="Vertical Text Placeholder 2"/>
           <p:cNvSpPr>
             <a:spLocks noGrp="1"/>
           </p:cNvSpPr>
@@ -614,8 +543,8 @@
         </p:nvSpPr>
         <p:spPr>
           <a:xfrm>
-            <a:off x="838200" y="365125"/>
-            <a:ext cx="7734300" cy="5811838"/>
+            <a:off x="494953" y="383297"/>
+            <a:ext cx="4567064" cy="6101085"/>
           </a:xfrm>
         </p:spPr>
         <p:txBody>
@@ -655,19 +584,13 @@
               <a:rPr lang="en-GB"/>
               <a:t>Fifth level</a:t>
             </a:r>
-            <a:endParaRPr lang="en-US"/>
-          </a:p>
-        </p:txBody>
-      </p:sp>
-      <p:sp>
-        <p:nvSpPr>
-          <p:cNvPr id="4" name="Date Placeholder 3">
-            <a:extLst>
-              <a:ext uri="{FF2B5EF4-FFF2-40B4-BE49-F238E27FC236}">
-                <a16:creationId xmlns:a16="http://schemas.microsoft.com/office/drawing/2014/main" id="{8C58C929-9788-CA46-B2F3-EBF89BF6BCB5}"/>
-              </a:ext>
-            </a:extLst>
-          </p:cNvPr>
+            <a:endParaRPr lang="en-US" dirty="0"/>
+          </a:p>
+        </p:txBody>
+      </p:sp>
+      <p:sp>
+        <p:nvSpPr>
+          <p:cNvPr id="4" name="Date Placeholder 3"/>
           <p:cNvSpPr>
             <a:spLocks noGrp="1"/>
           </p:cNvSpPr>
@@ -682,7 +605,7 @@
           <a:p>
             <a:fld id="{7FC4F374-40D8-2645-8AD3-193B0A4A1F7C}" type="datetimeFigureOut">
               <a:rPr lang="en-US" smtClean="0"/>
-              <a:t>8/12/21</a:t>
+              <a:t>9/28/21</a:t>
             </a:fld>
             <a:endParaRPr lang="en-US" dirty="0"/>
           </a:p>
@@ -690,13 +613,7 @@
       </p:sp>
       <p:sp>
         <p:nvSpPr>
-          <p:cNvPr id="5" name="Footer Placeholder 4">
-            <a:extLst>
-              <a:ext uri="{FF2B5EF4-FFF2-40B4-BE49-F238E27FC236}">
-                <a16:creationId xmlns:a16="http://schemas.microsoft.com/office/drawing/2014/main" id="{064394DB-24BE-6A45-A8FA-CC45C3FD13B3}"/>
-              </a:ext>
-            </a:extLst>
-          </p:cNvPr>
+          <p:cNvPr id="5" name="Footer Placeholder 4"/>
           <p:cNvSpPr>
             <a:spLocks noGrp="1"/>
           </p:cNvSpPr>
@@ -715,13 +632,7 @@
       </p:sp>
       <p:sp>
         <p:nvSpPr>
-          <p:cNvPr id="6" name="Slide Number Placeholder 5">
-            <a:extLst>
-              <a:ext uri="{FF2B5EF4-FFF2-40B4-BE49-F238E27FC236}">
-                <a16:creationId xmlns:a16="http://schemas.microsoft.com/office/drawing/2014/main" id="{9646D71B-EA15-774F-AE94-3501FD64E510}"/>
-              </a:ext>
-            </a:extLst>
-          </p:cNvPr>
+          <p:cNvPr id="6" name="Slide Number Placeholder 5"/>
           <p:cNvSpPr>
             <a:spLocks noGrp="1"/>
           </p:cNvSpPr>
@@ -745,7 +656,7 @@
     </p:spTree>
     <p:extLst>
       <p:ext uri="{BB962C8B-B14F-4D97-AF65-F5344CB8AC3E}">
-        <p14:creationId xmlns:p14="http://schemas.microsoft.com/office/powerpoint/2010/main" val="1370196049"/>
+        <p14:creationId xmlns:p14="http://schemas.microsoft.com/office/powerpoint/2010/main" val="1062014280"/>
       </p:ext>
     </p:extLst>
   </p:cSld>
@@ -774,13 +685,7 @@
       </p:grpSpPr>
       <p:sp>
         <p:nvSpPr>
-          <p:cNvPr id="2" name="Title 1">
-            <a:extLst>
-              <a:ext uri="{FF2B5EF4-FFF2-40B4-BE49-F238E27FC236}">
-                <a16:creationId xmlns:a16="http://schemas.microsoft.com/office/drawing/2014/main" id="{852EC473-B7E6-F946-99F5-65C2DBA7D247}"/>
-              </a:ext>
-            </a:extLst>
-          </p:cNvPr>
+          <p:cNvPr id="2" name="Title 1"/>
           <p:cNvSpPr>
             <a:spLocks noGrp="1"/>
           </p:cNvSpPr>
@@ -797,19 +702,13 @@
               <a:rPr lang="en-GB"/>
               <a:t>Click to edit Master title style</a:t>
             </a:r>
-            <a:endParaRPr lang="en-US"/>
-          </a:p>
-        </p:txBody>
-      </p:sp>
-      <p:sp>
-        <p:nvSpPr>
-          <p:cNvPr id="3" name="Content Placeholder 2">
-            <a:extLst>
-              <a:ext uri="{FF2B5EF4-FFF2-40B4-BE49-F238E27FC236}">
-                <a16:creationId xmlns:a16="http://schemas.microsoft.com/office/drawing/2014/main" id="{360E070A-8A77-8245-9207-9EA5C186E016}"/>
-              </a:ext>
-            </a:extLst>
-          </p:cNvPr>
+            <a:endParaRPr lang="en-US" dirty="0"/>
+          </a:p>
+        </p:txBody>
+      </p:sp>
+      <p:sp>
+        <p:nvSpPr>
+          <p:cNvPr id="3" name="Content Placeholder 2"/>
           <p:cNvSpPr>
             <a:spLocks noGrp="1"/>
           </p:cNvSpPr>
@@ -855,19 +754,13 @@
               <a:rPr lang="en-GB"/>
               <a:t>Fifth level</a:t>
             </a:r>
-            <a:endParaRPr lang="en-US"/>
-          </a:p>
-        </p:txBody>
-      </p:sp>
-      <p:sp>
-        <p:nvSpPr>
-          <p:cNvPr id="4" name="Date Placeholder 3">
-            <a:extLst>
-              <a:ext uri="{FF2B5EF4-FFF2-40B4-BE49-F238E27FC236}">
-                <a16:creationId xmlns:a16="http://schemas.microsoft.com/office/drawing/2014/main" id="{273AAE9E-4D2A-6642-A348-FFE141D9E20B}"/>
-              </a:ext>
-            </a:extLst>
-          </p:cNvPr>
+            <a:endParaRPr lang="en-US" dirty="0"/>
+          </a:p>
+        </p:txBody>
+      </p:sp>
+      <p:sp>
+        <p:nvSpPr>
+          <p:cNvPr id="4" name="Date Placeholder 3"/>
           <p:cNvSpPr>
             <a:spLocks noGrp="1"/>
           </p:cNvSpPr>
@@ -882,7 +775,7 @@
           <a:p>
             <a:fld id="{7FC4F374-40D8-2645-8AD3-193B0A4A1F7C}" type="datetimeFigureOut">
               <a:rPr lang="en-US" smtClean="0"/>
-              <a:t>8/12/21</a:t>
+              <a:t>9/28/21</a:t>
             </a:fld>
             <a:endParaRPr lang="en-US" dirty="0"/>
           </a:p>
@@ -890,13 +783,7 @@
       </p:sp>
       <p:sp>
         <p:nvSpPr>
-          <p:cNvPr id="5" name="Footer Placeholder 4">
-            <a:extLst>
-              <a:ext uri="{FF2B5EF4-FFF2-40B4-BE49-F238E27FC236}">
-                <a16:creationId xmlns:a16="http://schemas.microsoft.com/office/drawing/2014/main" id="{DFCFC3B4-7B12-D446-823E-46C165988F0A}"/>
-              </a:ext>
-            </a:extLst>
-          </p:cNvPr>
+          <p:cNvPr id="5" name="Footer Placeholder 4"/>
           <p:cNvSpPr>
             <a:spLocks noGrp="1"/>
           </p:cNvSpPr>
@@ -915,13 +802,7 @@
       </p:sp>
       <p:sp>
         <p:nvSpPr>
-          <p:cNvPr id="6" name="Slide Number Placeholder 5">
-            <a:extLst>
-              <a:ext uri="{FF2B5EF4-FFF2-40B4-BE49-F238E27FC236}">
-                <a16:creationId xmlns:a16="http://schemas.microsoft.com/office/drawing/2014/main" id="{21FEFC3A-F1C8-A743-A75A-779799F508CF}"/>
-              </a:ext>
-            </a:extLst>
-          </p:cNvPr>
+          <p:cNvPr id="6" name="Slide Number Placeholder 5"/>
           <p:cNvSpPr>
             <a:spLocks noGrp="1"/>
           </p:cNvSpPr>
@@ -945,7 +826,7 @@
     </p:spTree>
     <p:extLst>
       <p:ext uri="{BB962C8B-B14F-4D97-AF65-F5344CB8AC3E}">
-        <p14:creationId xmlns:p14="http://schemas.microsoft.com/office/powerpoint/2010/main" val="2149314354"/>
+        <p14:creationId xmlns:p14="http://schemas.microsoft.com/office/powerpoint/2010/main" val="2737854183"/>
       </p:ext>
     </p:extLst>
   </p:cSld>
@@ -974,13 +855,7 @@
       </p:grpSpPr>
       <p:sp>
         <p:nvSpPr>
-          <p:cNvPr id="2" name="Title 1">
-            <a:extLst>
-              <a:ext uri="{FF2B5EF4-FFF2-40B4-BE49-F238E27FC236}">
-                <a16:creationId xmlns:a16="http://schemas.microsoft.com/office/drawing/2014/main" id="{3A785C9E-21EB-9D49-A149-4EB824D4EBF1}"/>
-              </a:ext>
-            </a:extLst>
-          </p:cNvPr>
+          <p:cNvPr id="2" name="Title 1"/>
           <p:cNvSpPr>
             <a:spLocks noGrp="1"/>
           </p:cNvSpPr>
@@ -990,15 +865,15 @@
         </p:nvSpPr>
         <p:spPr>
           <a:xfrm>
-            <a:off x="831850" y="1709738"/>
-            <a:ext cx="10515600" cy="2852737"/>
+            <a:off x="491204" y="1794831"/>
+            <a:ext cx="6209407" cy="2994714"/>
           </a:xfrm>
         </p:spPr>
         <p:txBody>
           <a:bodyPr anchor="b"/>
           <a:lstStyle>
             <a:lvl1pPr>
-              <a:defRPr sz="6000"/>
+              <a:defRPr sz="4724"/>
             </a:lvl1pPr>
           </a:lstStyle>
           <a:p>
@@ -1006,19 +881,13 @@
               <a:rPr lang="en-GB"/>
               <a:t>Click to edit Master title style</a:t>
             </a:r>
-            <a:endParaRPr lang="en-US"/>
-          </a:p>
-        </p:txBody>
-      </p:sp>
-      <p:sp>
-        <p:nvSpPr>
-          <p:cNvPr id="3" name="Text Placeholder 2">
-            <a:extLst>
-              <a:ext uri="{FF2B5EF4-FFF2-40B4-BE49-F238E27FC236}">
-                <a16:creationId xmlns:a16="http://schemas.microsoft.com/office/drawing/2014/main" id="{238D2173-B363-8B47-85D8-008CDFD6F639}"/>
-              </a:ext>
-            </a:extLst>
-          </p:cNvPr>
+            <a:endParaRPr lang="en-US" dirty="0"/>
+          </a:p>
+        </p:txBody>
+      </p:sp>
+      <p:sp>
+        <p:nvSpPr>
+          <p:cNvPr id="3" name="Text Placeholder 2"/>
           <p:cNvSpPr>
             <a:spLocks noGrp="1"/>
           </p:cNvSpPr>
@@ -1028,8 +897,8 @@
         </p:nvSpPr>
         <p:spPr>
           <a:xfrm>
-            <a:off x="831850" y="4589463"/>
-            <a:ext cx="10515600" cy="1500187"/>
+            <a:off x="491204" y="4817876"/>
+            <a:ext cx="6209407" cy="1574849"/>
           </a:xfrm>
         </p:spPr>
         <p:txBody>
@@ -1037,17 +906,15 @@
           <a:lstStyle>
             <a:lvl1pPr marL="0" indent="0">
               <a:buNone/>
-              <a:defRPr sz="2400">
+              <a:defRPr sz="1890">
                 <a:solidFill>
-                  <a:schemeClr val="tx1">
-                    <a:tint val="75000"/>
-                  </a:schemeClr>
+                  <a:schemeClr val="tx1"/>
                 </a:solidFill>
               </a:defRPr>
             </a:lvl1pPr>
-            <a:lvl2pPr marL="457200" indent="0">
-              <a:buNone/>
-              <a:defRPr sz="2000">
+            <a:lvl2pPr marL="359954" indent="0">
+              <a:buNone/>
+              <a:defRPr sz="1575">
                 <a:solidFill>
                   <a:schemeClr val="tx1">
                     <a:tint val="75000"/>
@@ -1055,9 +922,9 @@
                 </a:solidFill>
               </a:defRPr>
             </a:lvl2pPr>
-            <a:lvl3pPr marL="914400" indent="0">
-              <a:buNone/>
-              <a:defRPr sz="1800">
+            <a:lvl3pPr marL="719907" indent="0">
+              <a:buNone/>
+              <a:defRPr sz="1417">
                 <a:solidFill>
                   <a:schemeClr val="tx1">
                     <a:tint val="75000"/>
@@ -1065,9 +932,9 @@
                 </a:solidFill>
               </a:defRPr>
             </a:lvl3pPr>
-            <a:lvl4pPr marL="1371600" indent="0">
-              <a:buNone/>
-              <a:defRPr sz="1600">
+            <a:lvl4pPr marL="1079861" indent="0">
+              <a:buNone/>
+              <a:defRPr sz="1260">
                 <a:solidFill>
                   <a:schemeClr val="tx1">
                     <a:tint val="75000"/>
@@ -1075,9 +942,9 @@
                 </a:solidFill>
               </a:defRPr>
             </a:lvl4pPr>
-            <a:lvl5pPr marL="1828800" indent="0">
-              <a:buNone/>
-              <a:defRPr sz="1600">
+            <a:lvl5pPr marL="1439814" indent="0">
+              <a:buNone/>
+              <a:defRPr sz="1260">
                 <a:solidFill>
                   <a:schemeClr val="tx1">
                     <a:tint val="75000"/>
@@ -1085,9 +952,9 @@
                 </a:solidFill>
               </a:defRPr>
             </a:lvl5pPr>
-            <a:lvl6pPr marL="2286000" indent="0">
-              <a:buNone/>
-              <a:defRPr sz="1600">
+            <a:lvl6pPr marL="1799768" indent="0">
+              <a:buNone/>
+              <a:defRPr sz="1260">
                 <a:solidFill>
                   <a:schemeClr val="tx1">
                     <a:tint val="75000"/>
@@ -1095,9 +962,9 @@
                 </a:solidFill>
               </a:defRPr>
             </a:lvl6pPr>
-            <a:lvl7pPr marL="2743200" indent="0">
-              <a:buNone/>
-              <a:defRPr sz="1600">
+            <a:lvl7pPr marL="2159721" indent="0">
+              <a:buNone/>
+              <a:defRPr sz="1260">
                 <a:solidFill>
                   <a:schemeClr val="tx1">
                     <a:tint val="75000"/>
@@ -1105,9 +972,9 @@
                 </a:solidFill>
               </a:defRPr>
             </a:lvl7pPr>
-            <a:lvl8pPr marL="3200400" indent="0">
-              <a:buNone/>
-              <a:defRPr sz="1600">
+            <a:lvl8pPr marL="2519675" indent="0">
+              <a:buNone/>
+              <a:defRPr sz="1260">
                 <a:solidFill>
                   <a:schemeClr val="tx1">
                     <a:tint val="75000"/>
@@ -1115,9 +982,9 @@
                 </a:solidFill>
               </a:defRPr>
             </a:lvl8pPr>
-            <a:lvl9pPr marL="3657600" indent="0">
-              <a:buNone/>
-              <a:defRPr sz="1600">
+            <a:lvl9pPr marL="2879628" indent="0">
+              <a:buNone/>
+              <a:defRPr sz="1260">
                 <a:solidFill>
                   <a:schemeClr val="tx1">
                     <a:tint val="75000"/>
@@ -1137,13 +1004,7 @@
       </p:sp>
       <p:sp>
         <p:nvSpPr>
-          <p:cNvPr id="4" name="Date Placeholder 3">
-            <a:extLst>
-              <a:ext uri="{FF2B5EF4-FFF2-40B4-BE49-F238E27FC236}">
-                <a16:creationId xmlns:a16="http://schemas.microsoft.com/office/drawing/2014/main" id="{B88F9A9E-5EE7-F144-9CE2-C26AEFBDEAE9}"/>
-              </a:ext>
-            </a:extLst>
-          </p:cNvPr>
+          <p:cNvPr id="4" name="Date Placeholder 3"/>
           <p:cNvSpPr>
             <a:spLocks noGrp="1"/>
           </p:cNvSpPr>
@@ -1158,7 +1019,7 @@
           <a:p>
             <a:fld id="{7FC4F374-40D8-2645-8AD3-193B0A4A1F7C}" type="datetimeFigureOut">
               <a:rPr lang="en-US" smtClean="0"/>
-              <a:t>8/12/21</a:t>
+              <a:t>9/28/21</a:t>
             </a:fld>
             <a:endParaRPr lang="en-US" dirty="0"/>
           </a:p>
@@ -1166,13 +1027,7 @@
       </p:sp>
       <p:sp>
         <p:nvSpPr>
-          <p:cNvPr id="5" name="Footer Placeholder 4">
-            <a:extLst>
-              <a:ext uri="{FF2B5EF4-FFF2-40B4-BE49-F238E27FC236}">
-                <a16:creationId xmlns:a16="http://schemas.microsoft.com/office/drawing/2014/main" id="{C0DB8269-151F-C646-B550-FE01D848EC7B}"/>
-              </a:ext>
-            </a:extLst>
-          </p:cNvPr>
+          <p:cNvPr id="5" name="Footer Placeholder 4"/>
           <p:cNvSpPr>
             <a:spLocks noGrp="1"/>
           </p:cNvSpPr>
@@ -1191,13 +1046,7 @@
       </p:sp>
       <p:sp>
         <p:nvSpPr>
-          <p:cNvPr id="6" name="Slide Number Placeholder 5">
-            <a:extLst>
-              <a:ext uri="{FF2B5EF4-FFF2-40B4-BE49-F238E27FC236}">
-                <a16:creationId xmlns:a16="http://schemas.microsoft.com/office/drawing/2014/main" id="{19258064-9D2D-8C4B-849F-56EE8D818FAE}"/>
-              </a:ext>
-            </a:extLst>
-          </p:cNvPr>
+          <p:cNvPr id="6" name="Slide Number Placeholder 5"/>
           <p:cNvSpPr>
             <a:spLocks noGrp="1"/>
           </p:cNvSpPr>
@@ -1221,7 +1070,7 @@
     </p:spTree>
     <p:extLst>
       <p:ext uri="{BB962C8B-B14F-4D97-AF65-F5344CB8AC3E}">
-        <p14:creationId xmlns:p14="http://schemas.microsoft.com/office/powerpoint/2010/main" val="3946163824"/>
+        <p14:creationId xmlns:p14="http://schemas.microsoft.com/office/powerpoint/2010/main" val="2486821656"/>
       </p:ext>
     </p:extLst>
   </p:cSld>
@@ -1250,13 +1099,7 @@
       </p:grpSpPr>
       <p:sp>
         <p:nvSpPr>
-          <p:cNvPr id="2" name="Title 1">
-            <a:extLst>
-              <a:ext uri="{FF2B5EF4-FFF2-40B4-BE49-F238E27FC236}">
-                <a16:creationId xmlns:a16="http://schemas.microsoft.com/office/drawing/2014/main" id="{939133B3-9C28-2041-881A-908AB66F6696}"/>
-              </a:ext>
-            </a:extLst>
-          </p:cNvPr>
+          <p:cNvPr id="2" name="Title 1"/>
           <p:cNvSpPr>
             <a:spLocks noGrp="1"/>
           </p:cNvSpPr>
@@ -1273,19 +1116,13 @@
               <a:rPr lang="en-GB"/>
               <a:t>Click to edit Master title style</a:t>
             </a:r>
-            <a:endParaRPr lang="en-US"/>
-          </a:p>
-        </p:txBody>
-      </p:sp>
-      <p:sp>
-        <p:nvSpPr>
-          <p:cNvPr id="3" name="Content Placeholder 2">
-            <a:extLst>
-              <a:ext uri="{FF2B5EF4-FFF2-40B4-BE49-F238E27FC236}">
-                <a16:creationId xmlns:a16="http://schemas.microsoft.com/office/drawing/2014/main" id="{549B0A16-4B05-BC43-9642-F35FE44050E9}"/>
-              </a:ext>
-            </a:extLst>
-          </p:cNvPr>
+            <a:endParaRPr lang="en-US" dirty="0"/>
+          </a:p>
+        </p:txBody>
+      </p:sp>
+      <p:sp>
+        <p:nvSpPr>
+          <p:cNvPr id="3" name="Content Placeholder 2"/>
           <p:cNvSpPr>
             <a:spLocks noGrp="1"/>
           </p:cNvSpPr>
@@ -1295,8 +1132,8 @@
         </p:nvSpPr>
         <p:spPr>
           <a:xfrm>
-            <a:off x="838200" y="1825625"/>
-            <a:ext cx="5181600" cy="4351338"/>
+            <a:off x="494953" y="1916484"/>
+            <a:ext cx="3059708" cy="4567898"/>
           </a:xfrm>
         </p:spPr>
         <p:txBody>
@@ -1336,19 +1173,13 @@
               <a:rPr lang="en-GB"/>
               <a:t>Fifth level</a:t>
             </a:r>
-            <a:endParaRPr lang="en-US"/>
-          </a:p>
-        </p:txBody>
-      </p:sp>
-      <p:sp>
-        <p:nvSpPr>
-          <p:cNvPr id="4" name="Content Placeholder 3">
-            <a:extLst>
-              <a:ext uri="{FF2B5EF4-FFF2-40B4-BE49-F238E27FC236}">
-                <a16:creationId xmlns:a16="http://schemas.microsoft.com/office/drawing/2014/main" id="{E03CA57E-CB82-1C47-8451-8467C57204A2}"/>
-              </a:ext>
-            </a:extLst>
-          </p:cNvPr>
+            <a:endParaRPr lang="en-US" dirty="0"/>
+          </a:p>
+        </p:txBody>
+      </p:sp>
+      <p:sp>
+        <p:nvSpPr>
+          <p:cNvPr id="4" name="Content Placeholder 3"/>
           <p:cNvSpPr>
             <a:spLocks noGrp="1"/>
           </p:cNvSpPr>
@@ -1358,8 +1189,8 @@
         </p:nvSpPr>
         <p:spPr>
           <a:xfrm>
-            <a:off x="6172200" y="1825625"/>
-            <a:ext cx="5181600" cy="4351338"/>
+            <a:off x="3644652" y="1916484"/>
+            <a:ext cx="3059708" cy="4567898"/>
           </a:xfrm>
         </p:spPr>
         <p:txBody>
@@ -1399,19 +1230,13 @@
               <a:rPr lang="en-GB"/>
               <a:t>Fifth level</a:t>
             </a:r>
-            <a:endParaRPr lang="en-US"/>
-          </a:p>
-        </p:txBody>
-      </p:sp>
-      <p:sp>
-        <p:nvSpPr>
-          <p:cNvPr id="5" name="Date Placeholder 4">
-            <a:extLst>
-              <a:ext uri="{FF2B5EF4-FFF2-40B4-BE49-F238E27FC236}">
-                <a16:creationId xmlns:a16="http://schemas.microsoft.com/office/drawing/2014/main" id="{99EFCEAF-3E4F-0D4E-8DC6-F9E8CD6C96F7}"/>
-              </a:ext>
-            </a:extLst>
-          </p:cNvPr>
+            <a:endParaRPr lang="en-US" dirty="0"/>
+          </a:p>
+        </p:txBody>
+      </p:sp>
+      <p:sp>
+        <p:nvSpPr>
+          <p:cNvPr id="5" name="Date Placeholder 4"/>
           <p:cNvSpPr>
             <a:spLocks noGrp="1"/>
           </p:cNvSpPr>
@@ -1426,7 +1251,7 @@
           <a:p>
             <a:fld id="{7FC4F374-40D8-2645-8AD3-193B0A4A1F7C}" type="datetimeFigureOut">
               <a:rPr lang="en-US" smtClean="0"/>
-              <a:t>8/12/21</a:t>
+              <a:t>9/28/21</a:t>
             </a:fld>
             <a:endParaRPr lang="en-US" dirty="0"/>
           </a:p>
@@ -1434,13 +1259,7 @@
       </p:sp>
       <p:sp>
         <p:nvSpPr>
-          <p:cNvPr id="6" name="Footer Placeholder 5">
-            <a:extLst>
-              <a:ext uri="{FF2B5EF4-FFF2-40B4-BE49-F238E27FC236}">
-                <a16:creationId xmlns:a16="http://schemas.microsoft.com/office/drawing/2014/main" id="{E4277070-429F-0248-A074-053273A0A10F}"/>
-              </a:ext>
-            </a:extLst>
-          </p:cNvPr>
+          <p:cNvPr id="6" name="Footer Placeholder 5"/>
           <p:cNvSpPr>
             <a:spLocks noGrp="1"/>
           </p:cNvSpPr>
@@ -1459,13 +1278,7 @@
       </p:sp>
       <p:sp>
         <p:nvSpPr>
-          <p:cNvPr id="7" name="Slide Number Placeholder 6">
-            <a:extLst>
-              <a:ext uri="{FF2B5EF4-FFF2-40B4-BE49-F238E27FC236}">
-                <a16:creationId xmlns:a16="http://schemas.microsoft.com/office/drawing/2014/main" id="{346F85E9-DB8E-7F44-A332-C643D6DCEA7D}"/>
-              </a:ext>
-            </a:extLst>
-          </p:cNvPr>
+          <p:cNvPr id="7" name="Slide Number Placeholder 6"/>
           <p:cNvSpPr>
             <a:spLocks noGrp="1"/>
           </p:cNvSpPr>
@@ -1489,7 +1302,7 @@
     </p:spTree>
     <p:extLst>
       <p:ext uri="{BB962C8B-B14F-4D97-AF65-F5344CB8AC3E}">
-        <p14:creationId xmlns:p14="http://schemas.microsoft.com/office/powerpoint/2010/main" val="3613186055"/>
+        <p14:creationId xmlns:p14="http://schemas.microsoft.com/office/powerpoint/2010/main" val="2870978207"/>
       </p:ext>
     </p:extLst>
   </p:cSld>
@@ -1518,13 +1331,7 @@
       </p:grpSpPr>
       <p:sp>
         <p:nvSpPr>
-          <p:cNvPr id="2" name="Title 1">
-            <a:extLst>
-              <a:ext uri="{FF2B5EF4-FFF2-40B4-BE49-F238E27FC236}">
-                <a16:creationId xmlns:a16="http://schemas.microsoft.com/office/drawing/2014/main" id="{1DADDE5C-9441-C242-85EF-8B7025028541}"/>
-              </a:ext>
-            </a:extLst>
-          </p:cNvPr>
+          <p:cNvPr id="2" name="Title 1"/>
           <p:cNvSpPr>
             <a:spLocks noGrp="1"/>
           </p:cNvSpPr>
@@ -1534,8 +1341,8 @@
         </p:nvSpPr>
         <p:spPr>
           <a:xfrm>
-            <a:off x="839788" y="365125"/>
-            <a:ext cx="10515600" cy="1325563"/>
+            <a:off x="495891" y="383299"/>
+            <a:ext cx="6209407" cy="1391534"/>
           </a:xfrm>
         </p:spPr>
         <p:txBody>
@@ -1546,19 +1353,13 @@
               <a:rPr lang="en-GB"/>
               <a:t>Click to edit Master title style</a:t>
             </a:r>
-            <a:endParaRPr lang="en-US"/>
-          </a:p>
-        </p:txBody>
-      </p:sp>
-      <p:sp>
-        <p:nvSpPr>
-          <p:cNvPr id="3" name="Text Placeholder 2">
-            <a:extLst>
-              <a:ext uri="{FF2B5EF4-FFF2-40B4-BE49-F238E27FC236}">
-                <a16:creationId xmlns:a16="http://schemas.microsoft.com/office/drawing/2014/main" id="{010F5686-FBE3-834E-8E7E-8A73753533CD}"/>
-              </a:ext>
-            </a:extLst>
-          </p:cNvPr>
+            <a:endParaRPr lang="en-US" dirty="0"/>
+          </a:p>
+        </p:txBody>
+      </p:sp>
+      <p:sp>
+        <p:nvSpPr>
+          <p:cNvPr id="3" name="Text Placeholder 2"/>
           <p:cNvSpPr>
             <a:spLocks noGrp="1"/>
           </p:cNvSpPr>
@@ -1568,8 +1369,8 @@
         </p:nvSpPr>
         <p:spPr>
           <a:xfrm>
-            <a:off x="839788" y="1681163"/>
-            <a:ext cx="5157787" cy="823912"/>
+            <a:off x="495891" y="1764832"/>
+            <a:ext cx="3045646" cy="864917"/>
           </a:xfrm>
         </p:spPr>
         <p:txBody>
@@ -1577,39 +1378,39 @@
           <a:lstStyle>
             <a:lvl1pPr marL="0" indent="0">
               <a:buNone/>
-              <a:defRPr sz="2400" b="1"/>
+              <a:defRPr sz="1890" b="1"/>
             </a:lvl1pPr>
-            <a:lvl2pPr marL="457200" indent="0">
-              <a:buNone/>
-              <a:defRPr sz="2000" b="1"/>
+            <a:lvl2pPr marL="359954" indent="0">
+              <a:buNone/>
+              <a:defRPr sz="1575" b="1"/>
             </a:lvl2pPr>
-            <a:lvl3pPr marL="914400" indent="0">
-              <a:buNone/>
-              <a:defRPr sz="1800" b="1"/>
+            <a:lvl3pPr marL="719907" indent="0">
+              <a:buNone/>
+              <a:defRPr sz="1417" b="1"/>
             </a:lvl3pPr>
-            <a:lvl4pPr marL="1371600" indent="0">
-              <a:buNone/>
-              <a:defRPr sz="1600" b="1"/>
+            <a:lvl4pPr marL="1079861" indent="0">
+              <a:buNone/>
+              <a:defRPr sz="1260" b="1"/>
             </a:lvl4pPr>
-            <a:lvl5pPr marL="1828800" indent="0">
-              <a:buNone/>
-              <a:defRPr sz="1600" b="1"/>
+            <a:lvl5pPr marL="1439814" indent="0">
+              <a:buNone/>
+              <a:defRPr sz="1260" b="1"/>
             </a:lvl5pPr>
-            <a:lvl6pPr marL="2286000" indent="0">
-              <a:buNone/>
-              <a:defRPr sz="1600" b="1"/>
+            <a:lvl6pPr marL="1799768" indent="0">
+              <a:buNone/>
+              <a:defRPr sz="1260" b="1"/>
             </a:lvl6pPr>
-            <a:lvl7pPr marL="2743200" indent="0">
-              <a:buNone/>
-              <a:defRPr sz="1600" b="1"/>
+            <a:lvl7pPr marL="2159721" indent="0">
+              <a:buNone/>
+              <a:defRPr sz="1260" b="1"/>
             </a:lvl7pPr>
-            <a:lvl8pPr marL="3200400" indent="0">
-              <a:buNone/>
-              <a:defRPr sz="1600" b="1"/>
+            <a:lvl8pPr marL="2519675" indent="0">
+              <a:buNone/>
+              <a:defRPr sz="1260" b="1"/>
             </a:lvl8pPr>
-            <a:lvl9pPr marL="3657600" indent="0">
-              <a:buNone/>
-              <a:defRPr sz="1600" b="1"/>
+            <a:lvl9pPr marL="2879628" indent="0">
+              <a:buNone/>
+              <a:defRPr sz="1260" b="1"/>
             </a:lvl9pPr>
           </a:lstStyle>
           <a:p>
@@ -1623,13 +1424,7 @@
       </p:sp>
       <p:sp>
         <p:nvSpPr>
-          <p:cNvPr id="4" name="Content Placeholder 3">
-            <a:extLst>
-              <a:ext uri="{FF2B5EF4-FFF2-40B4-BE49-F238E27FC236}">
-                <a16:creationId xmlns:a16="http://schemas.microsoft.com/office/drawing/2014/main" id="{691A1AE5-B169-5046-A6CC-A66AF433423F}"/>
-              </a:ext>
-            </a:extLst>
-          </p:cNvPr>
+          <p:cNvPr id="4" name="Content Placeholder 3"/>
           <p:cNvSpPr>
             <a:spLocks noGrp="1"/>
           </p:cNvSpPr>
@@ -1639,8 +1434,8 @@
         </p:nvSpPr>
         <p:spPr>
           <a:xfrm>
-            <a:off x="839788" y="2505075"/>
-            <a:ext cx="5157787" cy="3684588"/>
+            <a:off x="495891" y="2629749"/>
+            <a:ext cx="3045646" cy="3867965"/>
           </a:xfrm>
         </p:spPr>
         <p:txBody>
@@ -1680,19 +1475,13 @@
               <a:rPr lang="en-GB"/>
               <a:t>Fifth level</a:t>
             </a:r>
-            <a:endParaRPr lang="en-US"/>
-          </a:p>
-        </p:txBody>
-      </p:sp>
-      <p:sp>
-        <p:nvSpPr>
-          <p:cNvPr id="5" name="Text Placeholder 4">
-            <a:extLst>
-              <a:ext uri="{FF2B5EF4-FFF2-40B4-BE49-F238E27FC236}">
-                <a16:creationId xmlns:a16="http://schemas.microsoft.com/office/drawing/2014/main" id="{A7B4A0C2-B67F-FC49-A75D-9F76B1E7AAB6}"/>
-              </a:ext>
-            </a:extLst>
-          </p:cNvPr>
+            <a:endParaRPr lang="en-US" dirty="0"/>
+          </a:p>
+        </p:txBody>
+      </p:sp>
+      <p:sp>
+        <p:nvSpPr>
+          <p:cNvPr id="5" name="Text Placeholder 4"/>
           <p:cNvSpPr>
             <a:spLocks noGrp="1"/>
           </p:cNvSpPr>
@@ -1702,8 +1491,8 @@
         </p:nvSpPr>
         <p:spPr>
           <a:xfrm>
-            <a:off x="6172200" y="1681163"/>
-            <a:ext cx="5183188" cy="823912"/>
+            <a:off x="3644652" y="1764832"/>
+            <a:ext cx="3060646" cy="864917"/>
           </a:xfrm>
         </p:spPr>
         <p:txBody>
@@ -1711,39 +1500,39 @@
           <a:lstStyle>
             <a:lvl1pPr marL="0" indent="0">
               <a:buNone/>
-              <a:defRPr sz="2400" b="1"/>
+              <a:defRPr sz="1890" b="1"/>
             </a:lvl1pPr>
-            <a:lvl2pPr marL="457200" indent="0">
-              <a:buNone/>
-              <a:defRPr sz="2000" b="1"/>
+            <a:lvl2pPr marL="359954" indent="0">
+              <a:buNone/>
+              <a:defRPr sz="1575" b="1"/>
             </a:lvl2pPr>
-            <a:lvl3pPr marL="914400" indent="0">
-              <a:buNone/>
-              <a:defRPr sz="1800" b="1"/>
+            <a:lvl3pPr marL="719907" indent="0">
+              <a:buNone/>
+              <a:defRPr sz="1417" b="1"/>
             </a:lvl3pPr>
-            <a:lvl4pPr marL="1371600" indent="0">
-              <a:buNone/>
-              <a:defRPr sz="1600" b="1"/>
+            <a:lvl4pPr marL="1079861" indent="0">
+              <a:buNone/>
+              <a:defRPr sz="1260" b="1"/>
             </a:lvl4pPr>
-            <a:lvl5pPr marL="1828800" indent="0">
-              <a:buNone/>
-              <a:defRPr sz="1600" b="1"/>
+            <a:lvl5pPr marL="1439814" indent="0">
+              <a:buNone/>
+              <a:defRPr sz="1260" b="1"/>
             </a:lvl5pPr>
-            <a:lvl6pPr marL="2286000" indent="0">
-              <a:buNone/>
-              <a:defRPr sz="1600" b="1"/>
+            <a:lvl6pPr marL="1799768" indent="0">
+              <a:buNone/>
+              <a:defRPr sz="1260" b="1"/>
             </a:lvl6pPr>
-            <a:lvl7pPr marL="2743200" indent="0">
-              <a:buNone/>
-              <a:defRPr sz="1600" b="1"/>
+            <a:lvl7pPr marL="2159721" indent="0">
+              <a:buNone/>
+              <a:defRPr sz="1260" b="1"/>
             </a:lvl7pPr>
-            <a:lvl8pPr marL="3200400" indent="0">
-              <a:buNone/>
-              <a:defRPr sz="1600" b="1"/>
+            <a:lvl8pPr marL="2519675" indent="0">
+              <a:buNone/>
+              <a:defRPr sz="1260" b="1"/>
             </a:lvl8pPr>
-            <a:lvl9pPr marL="3657600" indent="0">
-              <a:buNone/>
-              <a:defRPr sz="1600" b="1"/>
+            <a:lvl9pPr marL="2879628" indent="0">
+              <a:buNone/>
+              <a:defRPr sz="1260" b="1"/>
             </a:lvl9pPr>
           </a:lstStyle>
           <a:p>
@@ -1757,13 +1546,7 @@
       </p:sp>
       <p:sp>
         <p:nvSpPr>
-          <p:cNvPr id="6" name="Content Placeholder 5">
-            <a:extLst>
-              <a:ext uri="{FF2B5EF4-FFF2-40B4-BE49-F238E27FC236}">
-                <a16:creationId xmlns:a16="http://schemas.microsoft.com/office/drawing/2014/main" id="{CF74781D-B8C4-734D-BBE8-C7B812C90B8A}"/>
-              </a:ext>
-            </a:extLst>
-          </p:cNvPr>
+          <p:cNvPr id="6" name="Content Placeholder 5"/>
           <p:cNvSpPr>
             <a:spLocks noGrp="1"/>
           </p:cNvSpPr>
@@ -1773,8 +1556,8 @@
         </p:nvSpPr>
         <p:spPr>
           <a:xfrm>
-            <a:off x="6172200" y="2505075"/>
-            <a:ext cx="5183188" cy="3684588"/>
+            <a:off x="3644652" y="2629749"/>
+            <a:ext cx="3060646" cy="3867965"/>
           </a:xfrm>
         </p:spPr>
         <p:txBody>
@@ -1814,19 +1597,13 @@
               <a:rPr lang="en-GB"/>
               <a:t>Fifth level</a:t>
             </a:r>
-            <a:endParaRPr lang="en-US"/>
-          </a:p>
-        </p:txBody>
-      </p:sp>
-      <p:sp>
-        <p:nvSpPr>
-          <p:cNvPr id="7" name="Date Placeholder 6">
-            <a:extLst>
-              <a:ext uri="{FF2B5EF4-FFF2-40B4-BE49-F238E27FC236}">
-                <a16:creationId xmlns:a16="http://schemas.microsoft.com/office/drawing/2014/main" id="{3B9D463B-E164-AF44-991F-C698540A4AAF}"/>
-              </a:ext>
-            </a:extLst>
-          </p:cNvPr>
+            <a:endParaRPr lang="en-US" dirty="0"/>
+          </a:p>
+        </p:txBody>
+      </p:sp>
+      <p:sp>
+        <p:nvSpPr>
+          <p:cNvPr id="7" name="Date Placeholder 6"/>
           <p:cNvSpPr>
             <a:spLocks noGrp="1"/>
           </p:cNvSpPr>
@@ -1841,7 +1618,7 @@
           <a:p>
             <a:fld id="{7FC4F374-40D8-2645-8AD3-193B0A4A1F7C}" type="datetimeFigureOut">
               <a:rPr lang="en-US" smtClean="0"/>
-              <a:t>8/12/21</a:t>
+              <a:t>9/28/21</a:t>
             </a:fld>
             <a:endParaRPr lang="en-US" dirty="0"/>
           </a:p>
@@ -1849,13 +1626,7 @@
       </p:sp>
       <p:sp>
         <p:nvSpPr>
-          <p:cNvPr id="8" name="Footer Placeholder 7">
-            <a:extLst>
-              <a:ext uri="{FF2B5EF4-FFF2-40B4-BE49-F238E27FC236}">
-                <a16:creationId xmlns:a16="http://schemas.microsoft.com/office/drawing/2014/main" id="{E84E0427-1A73-164C-8BE7-18F71E7317C6}"/>
-              </a:ext>
-            </a:extLst>
-          </p:cNvPr>
+          <p:cNvPr id="8" name="Footer Placeholder 7"/>
           <p:cNvSpPr>
             <a:spLocks noGrp="1"/>
           </p:cNvSpPr>
@@ -1874,13 +1645,7 @@
       </p:sp>
       <p:sp>
         <p:nvSpPr>
-          <p:cNvPr id="9" name="Slide Number Placeholder 8">
-            <a:extLst>
-              <a:ext uri="{FF2B5EF4-FFF2-40B4-BE49-F238E27FC236}">
-                <a16:creationId xmlns:a16="http://schemas.microsoft.com/office/drawing/2014/main" id="{49401294-1841-4041-934D-0BBEF5940714}"/>
-              </a:ext>
-            </a:extLst>
-          </p:cNvPr>
+          <p:cNvPr id="9" name="Slide Number Placeholder 8"/>
           <p:cNvSpPr>
             <a:spLocks noGrp="1"/>
           </p:cNvSpPr>
@@ -1904,7 +1669,7 @@
     </p:spTree>
     <p:extLst>
       <p:ext uri="{BB962C8B-B14F-4D97-AF65-F5344CB8AC3E}">
-        <p14:creationId xmlns:p14="http://schemas.microsoft.com/office/powerpoint/2010/main" val="1660376128"/>
+        <p14:creationId xmlns:p14="http://schemas.microsoft.com/office/powerpoint/2010/main" val="1300111656"/>
       </p:ext>
     </p:extLst>
   </p:cSld>
@@ -1933,13 +1698,7 @@
       </p:grpSpPr>
       <p:sp>
         <p:nvSpPr>
-          <p:cNvPr id="2" name="Title 1">
-            <a:extLst>
-              <a:ext uri="{FF2B5EF4-FFF2-40B4-BE49-F238E27FC236}">
-                <a16:creationId xmlns:a16="http://schemas.microsoft.com/office/drawing/2014/main" id="{A79133E4-E562-A740-BA6F-F6E3A35BE8E7}"/>
-              </a:ext>
-            </a:extLst>
-          </p:cNvPr>
+          <p:cNvPr id="2" name="Title 1"/>
           <p:cNvSpPr>
             <a:spLocks noGrp="1"/>
           </p:cNvSpPr>
@@ -1956,19 +1715,13 @@
               <a:rPr lang="en-GB"/>
               <a:t>Click to edit Master title style</a:t>
             </a:r>
-            <a:endParaRPr lang="en-US"/>
-          </a:p>
-        </p:txBody>
-      </p:sp>
-      <p:sp>
-        <p:nvSpPr>
-          <p:cNvPr id="3" name="Date Placeholder 2">
-            <a:extLst>
-              <a:ext uri="{FF2B5EF4-FFF2-40B4-BE49-F238E27FC236}">
-                <a16:creationId xmlns:a16="http://schemas.microsoft.com/office/drawing/2014/main" id="{4D4FDA16-EA27-8A40-B665-7728E948B23E}"/>
-              </a:ext>
-            </a:extLst>
-          </p:cNvPr>
+            <a:endParaRPr lang="en-US" dirty="0"/>
+          </a:p>
+        </p:txBody>
+      </p:sp>
+      <p:sp>
+        <p:nvSpPr>
+          <p:cNvPr id="3" name="Date Placeholder 2"/>
           <p:cNvSpPr>
             <a:spLocks noGrp="1"/>
           </p:cNvSpPr>
@@ -1983,7 +1736,7 @@
           <a:p>
             <a:fld id="{7FC4F374-40D8-2645-8AD3-193B0A4A1F7C}" type="datetimeFigureOut">
               <a:rPr lang="en-US" smtClean="0"/>
-              <a:t>8/12/21</a:t>
+              <a:t>9/28/21</a:t>
             </a:fld>
             <a:endParaRPr lang="en-US" dirty="0"/>
           </a:p>
@@ -1991,13 +1744,7 @@
       </p:sp>
       <p:sp>
         <p:nvSpPr>
-          <p:cNvPr id="4" name="Footer Placeholder 3">
-            <a:extLst>
-              <a:ext uri="{FF2B5EF4-FFF2-40B4-BE49-F238E27FC236}">
-                <a16:creationId xmlns:a16="http://schemas.microsoft.com/office/drawing/2014/main" id="{5F3E376A-F900-F54B-9300-6E05B77F21ED}"/>
-              </a:ext>
-            </a:extLst>
-          </p:cNvPr>
+          <p:cNvPr id="4" name="Footer Placeholder 3"/>
           <p:cNvSpPr>
             <a:spLocks noGrp="1"/>
           </p:cNvSpPr>
@@ -2016,13 +1763,7 @@
       </p:sp>
       <p:sp>
         <p:nvSpPr>
-          <p:cNvPr id="5" name="Slide Number Placeholder 4">
-            <a:extLst>
-              <a:ext uri="{FF2B5EF4-FFF2-40B4-BE49-F238E27FC236}">
-                <a16:creationId xmlns:a16="http://schemas.microsoft.com/office/drawing/2014/main" id="{DEDA01FD-E591-0743-8DD3-BF4A830FF3B2}"/>
-              </a:ext>
-            </a:extLst>
-          </p:cNvPr>
+          <p:cNvPr id="5" name="Slide Number Placeholder 4"/>
           <p:cNvSpPr>
             <a:spLocks noGrp="1"/>
           </p:cNvSpPr>
@@ -2046,7 +1787,7 @@
     </p:spTree>
     <p:extLst>
       <p:ext uri="{BB962C8B-B14F-4D97-AF65-F5344CB8AC3E}">
-        <p14:creationId xmlns:p14="http://schemas.microsoft.com/office/powerpoint/2010/main" val="2575709594"/>
+        <p14:creationId xmlns:p14="http://schemas.microsoft.com/office/powerpoint/2010/main" val="395182112"/>
       </p:ext>
     </p:extLst>
   </p:cSld>
@@ -2075,13 +1816,7 @@
       </p:grpSpPr>
       <p:sp>
         <p:nvSpPr>
-          <p:cNvPr id="2" name="Date Placeholder 1">
-            <a:extLst>
-              <a:ext uri="{FF2B5EF4-FFF2-40B4-BE49-F238E27FC236}">
-                <a16:creationId xmlns:a16="http://schemas.microsoft.com/office/drawing/2014/main" id="{54366B82-F5B9-884E-A440-FE0E8D0588CC}"/>
-              </a:ext>
-            </a:extLst>
-          </p:cNvPr>
+          <p:cNvPr id="2" name="Date Placeholder 1"/>
           <p:cNvSpPr>
             <a:spLocks noGrp="1"/>
           </p:cNvSpPr>
@@ -2096,7 +1831,7 @@
           <a:p>
             <a:fld id="{7FC4F374-40D8-2645-8AD3-193B0A4A1F7C}" type="datetimeFigureOut">
               <a:rPr lang="en-US" smtClean="0"/>
-              <a:t>8/12/21</a:t>
+              <a:t>9/28/21</a:t>
             </a:fld>
             <a:endParaRPr lang="en-US" dirty="0"/>
           </a:p>
@@ -2104,13 +1839,7 @@
       </p:sp>
       <p:sp>
         <p:nvSpPr>
-          <p:cNvPr id="3" name="Footer Placeholder 2">
-            <a:extLst>
-              <a:ext uri="{FF2B5EF4-FFF2-40B4-BE49-F238E27FC236}">
-                <a16:creationId xmlns:a16="http://schemas.microsoft.com/office/drawing/2014/main" id="{8E515C29-8C4F-EA4F-9FC7-2511961A1B17}"/>
-              </a:ext>
-            </a:extLst>
-          </p:cNvPr>
+          <p:cNvPr id="3" name="Footer Placeholder 2"/>
           <p:cNvSpPr>
             <a:spLocks noGrp="1"/>
           </p:cNvSpPr>
@@ -2129,13 +1858,7 @@
       </p:sp>
       <p:sp>
         <p:nvSpPr>
-          <p:cNvPr id="4" name="Slide Number Placeholder 3">
-            <a:extLst>
-              <a:ext uri="{FF2B5EF4-FFF2-40B4-BE49-F238E27FC236}">
-                <a16:creationId xmlns:a16="http://schemas.microsoft.com/office/drawing/2014/main" id="{EAE89AE6-DA07-FE45-8D7C-E20C8B9809D0}"/>
-              </a:ext>
-            </a:extLst>
-          </p:cNvPr>
+          <p:cNvPr id="4" name="Slide Number Placeholder 3"/>
           <p:cNvSpPr>
             <a:spLocks noGrp="1"/>
           </p:cNvSpPr>
@@ -2159,7 +1882,7 @@
     </p:spTree>
     <p:extLst>
       <p:ext uri="{BB962C8B-B14F-4D97-AF65-F5344CB8AC3E}">
-        <p14:creationId xmlns:p14="http://schemas.microsoft.com/office/powerpoint/2010/main" val="530236008"/>
+        <p14:creationId xmlns:p14="http://schemas.microsoft.com/office/powerpoint/2010/main" val="1979992540"/>
       </p:ext>
     </p:extLst>
   </p:cSld>
@@ -2188,13 +1911,7 @@
       </p:grpSpPr>
       <p:sp>
         <p:nvSpPr>
-          <p:cNvPr id="2" name="Title 1">
-            <a:extLst>
-              <a:ext uri="{FF2B5EF4-FFF2-40B4-BE49-F238E27FC236}">
-                <a16:creationId xmlns:a16="http://schemas.microsoft.com/office/drawing/2014/main" id="{AA92AD6A-D02B-7949-B971-B80BDBF55FB7}"/>
-              </a:ext>
-            </a:extLst>
-          </p:cNvPr>
+          <p:cNvPr id="2" name="Title 1"/>
           <p:cNvSpPr>
             <a:spLocks noGrp="1"/>
           </p:cNvSpPr>
@@ -2204,15 +1921,15 @@
         </p:nvSpPr>
         <p:spPr>
           <a:xfrm>
-            <a:off x="839788" y="457200"/>
-            <a:ext cx="3932237" cy="1600200"/>
+            <a:off x="495890" y="479954"/>
+            <a:ext cx="2321966" cy="1679840"/>
           </a:xfrm>
         </p:spPr>
         <p:txBody>
           <a:bodyPr anchor="b"/>
           <a:lstStyle>
             <a:lvl1pPr>
-              <a:defRPr sz="3200"/>
+              <a:defRPr sz="2519"/>
             </a:lvl1pPr>
           </a:lstStyle>
           <a:p>
@@ -2220,19 +1937,13 @@
               <a:rPr lang="en-GB"/>
               <a:t>Click to edit Master title style</a:t>
             </a:r>
-            <a:endParaRPr lang="en-US"/>
-          </a:p>
-        </p:txBody>
-      </p:sp>
-      <p:sp>
-        <p:nvSpPr>
-          <p:cNvPr id="3" name="Content Placeholder 2">
-            <a:extLst>
-              <a:ext uri="{FF2B5EF4-FFF2-40B4-BE49-F238E27FC236}">
-                <a16:creationId xmlns:a16="http://schemas.microsoft.com/office/drawing/2014/main" id="{BC5CBB2A-3117-A046-A2D1-DD10EA2DA546}"/>
-              </a:ext>
-            </a:extLst>
-          </p:cNvPr>
+            <a:endParaRPr lang="en-US" dirty="0"/>
+          </a:p>
+        </p:txBody>
+      </p:sp>
+      <p:sp>
+        <p:nvSpPr>
+          <p:cNvPr id="3" name="Content Placeholder 2"/>
           <p:cNvSpPr>
             <a:spLocks noGrp="1"/>
           </p:cNvSpPr>
@@ -2242,39 +1953,39 @@
         </p:nvSpPr>
         <p:spPr>
           <a:xfrm>
-            <a:off x="5183188" y="987425"/>
-            <a:ext cx="6172200" cy="4873625"/>
+            <a:off x="3060646" y="1036570"/>
+            <a:ext cx="3644652" cy="5116178"/>
           </a:xfrm>
         </p:spPr>
         <p:txBody>
           <a:bodyPr/>
           <a:lstStyle>
             <a:lvl1pPr>
-              <a:defRPr sz="3200"/>
+              <a:defRPr sz="2519"/>
             </a:lvl1pPr>
             <a:lvl2pPr>
-              <a:defRPr sz="2800"/>
+              <a:defRPr sz="2204"/>
             </a:lvl2pPr>
             <a:lvl3pPr>
-              <a:defRPr sz="2400"/>
+              <a:defRPr sz="1890"/>
             </a:lvl3pPr>
             <a:lvl4pPr>
-              <a:defRPr sz="2000"/>
+              <a:defRPr sz="1575"/>
             </a:lvl4pPr>
             <a:lvl5pPr>
-              <a:defRPr sz="2000"/>
+              <a:defRPr sz="1575"/>
             </a:lvl5pPr>
             <a:lvl6pPr>
-              <a:defRPr sz="2000"/>
+              <a:defRPr sz="1575"/>
             </a:lvl6pPr>
             <a:lvl7pPr>
-              <a:defRPr sz="2000"/>
+              <a:defRPr sz="1575"/>
             </a:lvl7pPr>
             <a:lvl8pPr>
-              <a:defRPr sz="2000"/>
+              <a:defRPr sz="1575"/>
             </a:lvl8pPr>
             <a:lvl9pPr>
-              <a:defRPr sz="2000"/>
+              <a:defRPr sz="1575"/>
             </a:lvl9pPr>
           </a:lstStyle>
           <a:p>
@@ -2311,19 +2022,13 @@
               <a:rPr lang="en-GB"/>
               <a:t>Fifth level</a:t>
             </a:r>
-            <a:endParaRPr lang="en-US"/>
-          </a:p>
-        </p:txBody>
-      </p:sp>
-      <p:sp>
-        <p:nvSpPr>
-          <p:cNvPr id="4" name="Text Placeholder 3">
-            <a:extLst>
-              <a:ext uri="{FF2B5EF4-FFF2-40B4-BE49-F238E27FC236}">
-                <a16:creationId xmlns:a16="http://schemas.microsoft.com/office/drawing/2014/main" id="{B6FE74CD-5228-AD46-B2D9-EAC0B1D9C5CF}"/>
-              </a:ext>
-            </a:extLst>
-          </p:cNvPr>
+            <a:endParaRPr lang="en-US" dirty="0"/>
+          </a:p>
+        </p:txBody>
+      </p:sp>
+      <p:sp>
+        <p:nvSpPr>
+          <p:cNvPr id="4" name="Text Placeholder 3"/>
           <p:cNvSpPr>
             <a:spLocks noGrp="1"/>
           </p:cNvSpPr>
@@ -2333,8 +2038,8 @@
         </p:nvSpPr>
         <p:spPr>
           <a:xfrm>
-            <a:off x="839788" y="2057400"/>
-            <a:ext cx="3932237" cy="3811588"/>
+            <a:off x="495890" y="2159794"/>
+            <a:ext cx="2321966" cy="4001285"/>
           </a:xfrm>
         </p:spPr>
         <p:txBody>
@@ -2342,39 +2047,39 @@
           <a:lstStyle>
             <a:lvl1pPr marL="0" indent="0">
               <a:buNone/>
-              <a:defRPr sz="1600"/>
+              <a:defRPr sz="1260"/>
             </a:lvl1pPr>
-            <a:lvl2pPr marL="457200" indent="0">
-              <a:buNone/>
-              <a:defRPr sz="1400"/>
+            <a:lvl2pPr marL="359954" indent="0">
+              <a:buNone/>
+              <a:defRPr sz="1102"/>
             </a:lvl2pPr>
-            <a:lvl3pPr marL="914400" indent="0">
-              <a:buNone/>
-              <a:defRPr sz="1200"/>
+            <a:lvl3pPr marL="719907" indent="0">
+              <a:buNone/>
+              <a:defRPr sz="945"/>
             </a:lvl3pPr>
-            <a:lvl4pPr marL="1371600" indent="0">
-              <a:buNone/>
-              <a:defRPr sz="1000"/>
+            <a:lvl4pPr marL="1079861" indent="0">
+              <a:buNone/>
+              <a:defRPr sz="787"/>
             </a:lvl4pPr>
-            <a:lvl5pPr marL="1828800" indent="0">
-              <a:buNone/>
-              <a:defRPr sz="1000"/>
+            <a:lvl5pPr marL="1439814" indent="0">
+              <a:buNone/>
+              <a:defRPr sz="787"/>
             </a:lvl5pPr>
-            <a:lvl6pPr marL="2286000" indent="0">
-              <a:buNone/>
-              <a:defRPr sz="1000"/>
+            <a:lvl6pPr marL="1799768" indent="0">
+              <a:buNone/>
+              <a:defRPr sz="787"/>
             </a:lvl6pPr>
-            <a:lvl7pPr marL="2743200" indent="0">
-              <a:buNone/>
-              <a:defRPr sz="1000"/>
+            <a:lvl7pPr marL="2159721" indent="0">
+              <a:buNone/>
+              <a:defRPr sz="787"/>
             </a:lvl7pPr>
-            <a:lvl8pPr marL="3200400" indent="0">
-              <a:buNone/>
-              <a:defRPr sz="1000"/>
+            <a:lvl8pPr marL="2519675" indent="0">
+              <a:buNone/>
+              <a:defRPr sz="787"/>
             </a:lvl8pPr>
-            <a:lvl9pPr marL="3657600" indent="0">
-              <a:buNone/>
-              <a:defRPr sz="1000"/>
+            <a:lvl9pPr marL="2879628" indent="0">
+              <a:buNone/>
+              <a:defRPr sz="787"/>
             </a:lvl9pPr>
           </a:lstStyle>
           <a:p>
@@ -2388,13 +2093,7 @@
       </p:sp>
       <p:sp>
         <p:nvSpPr>
-          <p:cNvPr id="5" name="Date Placeholder 4">
-            <a:extLst>
-              <a:ext uri="{FF2B5EF4-FFF2-40B4-BE49-F238E27FC236}">
-                <a16:creationId xmlns:a16="http://schemas.microsoft.com/office/drawing/2014/main" id="{729D4A88-B61D-584E-90BA-562C208DB58F}"/>
-              </a:ext>
-            </a:extLst>
-          </p:cNvPr>
+          <p:cNvPr id="5" name="Date Placeholder 4"/>
           <p:cNvSpPr>
             <a:spLocks noGrp="1"/>
           </p:cNvSpPr>
@@ -2409,7 +2108,7 @@
           <a:p>
             <a:fld id="{7FC4F374-40D8-2645-8AD3-193B0A4A1F7C}" type="datetimeFigureOut">
               <a:rPr lang="en-US" smtClean="0"/>
-              <a:t>8/12/21</a:t>
+              <a:t>9/28/21</a:t>
             </a:fld>
             <a:endParaRPr lang="en-US" dirty="0"/>
           </a:p>
@@ -2417,13 +2116,7 @@
       </p:sp>
       <p:sp>
         <p:nvSpPr>
-          <p:cNvPr id="6" name="Footer Placeholder 5">
-            <a:extLst>
-              <a:ext uri="{FF2B5EF4-FFF2-40B4-BE49-F238E27FC236}">
-                <a16:creationId xmlns:a16="http://schemas.microsoft.com/office/drawing/2014/main" id="{5D7654E5-1A57-BC4B-8BAB-242920911F9B}"/>
-              </a:ext>
-            </a:extLst>
-          </p:cNvPr>
+          <p:cNvPr id="6" name="Footer Placeholder 5"/>
           <p:cNvSpPr>
             <a:spLocks noGrp="1"/>
           </p:cNvSpPr>
@@ -2442,13 +2135,7 @@
       </p:sp>
       <p:sp>
         <p:nvSpPr>
-          <p:cNvPr id="7" name="Slide Number Placeholder 6">
-            <a:extLst>
-              <a:ext uri="{FF2B5EF4-FFF2-40B4-BE49-F238E27FC236}">
-                <a16:creationId xmlns:a16="http://schemas.microsoft.com/office/drawing/2014/main" id="{CADDDDFF-1DFD-1D4D-9518-A329B72C0006}"/>
-              </a:ext>
-            </a:extLst>
-          </p:cNvPr>
+          <p:cNvPr id="7" name="Slide Number Placeholder 6"/>
           <p:cNvSpPr>
             <a:spLocks noGrp="1"/>
           </p:cNvSpPr>
@@ -2472,7 +2159,7 @@
     </p:spTree>
     <p:extLst>
       <p:ext uri="{BB962C8B-B14F-4D97-AF65-F5344CB8AC3E}">
-        <p14:creationId xmlns:p14="http://schemas.microsoft.com/office/powerpoint/2010/main" val="2361763004"/>
+        <p14:creationId xmlns:p14="http://schemas.microsoft.com/office/powerpoint/2010/main" val="2397886591"/>
       </p:ext>
     </p:extLst>
   </p:cSld>
@@ -2501,13 +2188,7 @@
       </p:grpSpPr>
       <p:sp>
         <p:nvSpPr>
-          <p:cNvPr id="2" name="Title 1">
-            <a:extLst>
-              <a:ext uri="{FF2B5EF4-FFF2-40B4-BE49-F238E27FC236}">
-                <a16:creationId xmlns:a16="http://schemas.microsoft.com/office/drawing/2014/main" id="{EBBCAE7F-ADDD-3E4B-BB57-F5A890D004A6}"/>
-              </a:ext>
-            </a:extLst>
-          </p:cNvPr>
+          <p:cNvPr id="2" name="Title 1"/>
           <p:cNvSpPr>
             <a:spLocks noGrp="1"/>
           </p:cNvSpPr>
@@ -2517,15 +2198,15 @@
         </p:nvSpPr>
         <p:spPr>
           <a:xfrm>
-            <a:off x="839788" y="457200"/>
-            <a:ext cx="3932237" cy="1600200"/>
+            <a:off x="495890" y="479954"/>
+            <a:ext cx="2321966" cy="1679840"/>
           </a:xfrm>
         </p:spPr>
         <p:txBody>
           <a:bodyPr anchor="b"/>
           <a:lstStyle>
             <a:lvl1pPr>
-              <a:defRPr sz="3200"/>
+              <a:defRPr sz="2519"/>
             </a:lvl1pPr>
           </a:lstStyle>
           <a:p>
@@ -2533,21 +2214,15 @@
               <a:rPr lang="en-GB"/>
               <a:t>Click to edit Master title style</a:t>
             </a:r>
-            <a:endParaRPr lang="en-US"/>
-          </a:p>
-        </p:txBody>
-      </p:sp>
-      <p:sp>
-        <p:nvSpPr>
-          <p:cNvPr id="3" name="Picture Placeholder 2">
-            <a:extLst>
-              <a:ext uri="{FF2B5EF4-FFF2-40B4-BE49-F238E27FC236}">
-                <a16:creationId xmlns:a16="http://schemas.microsoft.com/office/drawing/2014/main" id="{1287F123-1D64-1040-91E0-7D264EFB8C46}"/>
-              </a:ext>
-            </a:extLst>
-          </p:cNvPr>
-          <p:cNvSpPr>
-            <a:spLocks noGrp="1"/>
+            <a:endParaRPr lang="en-US" dirty="0"/>
+          </a:p>
+        </p:txBody>
+      </p:sp>
+      <p:sp>
+        <p:nvSpPr>
+          <p:cNvPr id="3" name="Picture Placeholder 2"/>
+          <p:cNvSpPr>
+            <a:spLocks noGrp="1" noChangeAspect="1"/>
           </p:cNvSpPr>
           <p:nvPr>
             <p:ph type="pic" idx="1"/>
@@ -2555,64 +2230,62 @@
         </p:nvSpPr>
         <p:spPr>
           <a:xfrm>
-            <a:off x="5183188" y="987425"/>
-            <a:ext cx="6172200" cy="4873625"/>
+            <a:off x="3060646" y="1036570"/>
+            <a:ext cx="3644652" cy="5116178"/>
           </a:xfrm>
         </p:spPr>
         <p:txBody>
-          <a:bodyPr/>
+          <a:bodyPr anchor="t"/>
           <a:lstStyle>
             <a:lvl1pPr marL="0" indent="0">
               <a:buNone/>
-              <a:defRPr sz="3200"/>
+              <a:defRPr sz="2519"/>
             </a:lvl1pPr>
-            <a:lvl2pPr marL="457200" indent="0">
-              <a:buNone/>
-              <a:defRPr sz="2800"/>
+            <a:lvl2pPr marL="359954" indent="0">
+              <a:buNone/>
+              <a:defRPr sz="2204"/>
             </a:lvl2pPr>
-            <a:lvl3pPr marL="914400" indent="0">
-              <a:buNone/>
-              <a:defRPr sz="2400"/>
+            <a:lvl3pPr marL="719907" indent="0">
+              <a:buNone/>
+              <a:defRPr sz="1890"/>
             </a:lvl3pPr>
-            <a:lvl4pPr marL="1371600" indent="0">
-              <a:buNone/>
-              <a:defRPr sz="2000"/>
+            <a:lvl4pPr marL="1079861" indent="0">
+              <a:buNone/>
+              <a:defRPr sz="1575"/>
             </a:lvl4pPr>
-            <a:lvl5pPr marL="1828800" indent="0">
-              <a:buNone/>
-              <a:defRPr sz="2000"/>
+            <a:lvl5pPr marL="1439814" indent="0">
+              <a:buNone/>
+              <a:defRPr sz="1575"/>
             </a:lvl5pPr>
-            <a:lvl6pPr marL="2286000" indent="0">
-              <a:buNone/>
-              <a:defRPr sz="2000"/>
+            <a:lvl6pPr marL="1799768" indent="0">
+              <a:buNone/>
+              <a:defRPr sz="1575"/>
             </a:lvl6pPr>
-            <a:lvl7pPr marL="2743200" indent="0">
-              <a:buNone/>
-              <a:defRPr sz="2000"/>
+            <a:lvl7pPr marL="2159721" indent="0">
+              <a:buNone/>
+              <a:defRPr sz="1575"/>
             </a:lvl7pPr>
-            <a:lvl8pPr marL="3200400" indent="0">
-              <a:buNone/>
-              <a:defRPr sz="2000"/>
+            <a:lvl8pPr marL="2519675" indent="0">
+              <a:buNone/>
+              <a:defRPr sz="1575"/>
             </a:lvl8pPr>
-            <a:lvl9pPr marL="3657600" indent="0">
-              <a:buNone/>
-              <a:defRPr sz="2000"/>
+            <a:lvl9pPr marL="2879628" indent="0">
+              <a:buNone/>
+              <a:defRPr sz="1575"/>
             </a:lvl9pPr>
           </a:lstStyle>
           <a:p>
-            <a:endParaRPr lang="en-US" dirty="0"/>
-          </a:p>
-        </p:txBody>
-      </p:sp>
-      <p:sp>
-        <p:nvSpPr>
-          <p:cNvPr id="4" name="Text Placeholder 3">
-            <a:extLst>
-              <a:ext uri="{FF2B5EF4-FFF2-40B4-BE49-F238E27FC236}">
-                <a16:creationId xmlns:a16="http://schemas.microsoft.com/office/drawing/2014/main" id="{BDCF3B80-F403-6F4B-9589-529C5A4FD3E9}"/>
-              </a:ext>
-            </a:extLst>
-          </p:cNvPr>
+            <a:r>
+              <a:rPr lang="en-GB"/>
+              <a:t>Click icon to add picture</a:t>
+            </a:r>
+            <a:endParaRPr lang="en-US" dirty="0"/>
+          </a:p>
+        </p:txBody>
+      </p:sp>
+      <p:sp>
+        <p:nvSpPr>
+          <p:cNvPr id="4" name="Text Placeholder 3"/>
           <p:cNvSpPr>
             <a:spLocks noGrp="1"/>
           </p:cNvSpPr>
@@ -2622,8 +2295,8 @@
         </p:nvSpPr>
         <p:spPr>
           <a:xfrm>
-            <a:off x="839788" y="2057400"/>
-            <a:ext cx="3932237" cy="3811588"/>
+            <a:off x="495890" y="2159794"/>
+            <a:ext cx="2321966" cy="4001285"/>
           </a:xfrm>
         </p:spPr>
         <p:txBody>
@@ -2631,39 +2304,39 @@
           <a:lstStyle>
             <a:lvl1pPr marL="0" indent="0">
               <a:buNone/>
-              <a:defRPr sz="1600"/>
+              <a:defRPr sz="1260"/>
             </a:lvl1pPr>
-            <a:lvl2pPr marL="457200" indent="0">
-              <a:buNone/>
-              <a:defRPr sz="1400"/>
+            <a:lvl2pPr marL="359954" indent="0">
+              <a:buNone/>
+              <a:defRPr sz="1102"/>
             </a:lvl2pPr>
-            <a:lvl3pPr marL="914400" indent="0">
-              <a:buNone/>
-              <a:defRPr sz="1200"/>
+            <a:lvl3pPr marL="719907" indent="0">
+              <a:buNone/>
+              <a:defRPr sz="945"/>
             </a:lvl3pPr>
-            <a:lvl4pPr marL="1371600" indent="0">
-              <a:buNone/>
-              <a:defRPr sz="1000"/>
+            <a:lvl4pPr marL="1079861" indent="0">
+              <a:buNone/>
+              <a:defRPr sz="787"/>
             </a:lvl4pPr>
-            <a:lvl5pPr marL="1828800" indent="0">
-              <a:buNone/>
-              <a:defRPr sz="1000"/>
+            <a:lvl5pPr marL="1439814" indent="0">
+              <a:buNone/>
+              <a:defRPr sz="787"/>
             </a:lvl5pPr>
-            <a:lvl6pPr marL="2286000" indent="0">
-              <a:buNone/>
-              <a:defRPr sz="1000"/>
+            <a:lvl6pPr marL="1799768" indent="0">
+              <a:buNone/>
+              <a:defRPr sz="787"/>
             </a:lvl6pPr>
-            <a:lvl7pPr marL="2743200" indent="0">
-              <a:buNone/>
-              <a:defRPr sz="1000"/>
+            <a:lvl7pPr marL="2159721" indent="0">
+              <a:buNone/>
+              <a:defRPr sz="787"/>
             </a:lvl7pPr>
-            <a:lvl8pPr marL="3200400" indent="0">
-              <a:buNone/>
-              <a:defRPr sz="1000"/>
+            <a:lvl8pPr marL="2519675" indent="0">
+              <a:buNone/>
+              <a:defRPr sz="787"/>
             </a:lvl8pPr>
-            <a:lvl9pPr marL="3657600" indent="0">
-              <a:buNone/>
-              <a:defRPr sz="1000"/>
+            <a:lvl9pPr marL="2879628" indent="0">
+              <a:buNone/>
+              <a:defRPr sz="787"/>
             </a:lvl9pPr>
           </a:lstStyle>
           <a:p>
@@ -2677,13 +2350,7 @@
       </p:sp>
       <p:sp>
         <p:nvSpPr>
-          <p:cNvPr id="5" name="Date Placeholder 4">
-            <a:extLst>
-              <a:ext uri="{FF2B5EF4-FFF2-40B4-BE49-F238E27FC236}">
-                <a16:creationId xmlns:a16="http://schemas.microsoft.com/office/drawing/2014/main" id="{54F06520-C8DA-DA45-8B43-7D303675C55E}"/>
-              </a:ext>
-            </a:extLst>
-          </p:cNvPr>
+          <p:cNvPr id="5" name="Date Placeholder 4"/>
           <p:cNvSpPr>
             <a:spLocks noGrp="1"/>
           </p:cNvSpPr>
@@ -2698,7 +2365,7 @@
           <a:p>
             <a:fld id="{7FC4F374-40D8-2645-8AD3-193B0A4A1F7C}" type="datetimeFigureOut">
               <a:rPr lang="en-US" smtClean="0"/>
-              <a:t>8/12/21</a:t>
+              <a:t>9/28/21</a:t>
             </a:fld>
             <a:endParaRPr lang="en-US" dirty="0"/>
           </a:p>
@@ -2706,13 +2373,7 @@
       </p:sp>
       <p:sp>
         <p:nvSpPr>
-          <p:cNvPr id="6" name="Footer Placeholder 5">
-            <a:extLst>
-              <a:ext uri="{FF2B5EF4-FFF2-40B4-BE49-F238E27FC236}">
-                <a16:creationId xmlns:a16="http://schemas.microsoft.com/office/drawing/2014/main" id="{8F53E928-77ED-8341-96F3-D209282020C9}"/>
-              </a:ext>
-            </a:extLst>
-          </p:cNvPr>
+          <p:cNvPr id="6" name="Footer Placeholder 5"/>
           <p:cNvSpPr>
             <a:spLocks noGrp="1"/>
           </p:cNvSpPr>
@@ -2731,13 +2392,7 @@
       </p:sp>
       <p:sp>
         <p:nvSpPr>
-          <p:cNvPr id="7" name="Slide Number Placeholder 6">
-            <a:extLst>
-              <a:ext uri="{FF2B5EF4-FFF2-40B4-BE49-F238E27FC236}">
-                <a16:creationId xmlns:a16="http://schemas.microsoft.com/office/drawing/2014/main" id="{7430FEDD-544E-5341-AE59-5F7CDC4E1E57}"/>
-              </a:ext>
-            </a:extLst>
-          </p:cNvPr>
+          <p:cNvPr id="7" name="Slide Number Placeholder 6"/>
           <p:cNvSpPr>
             <a:spLocks noGrp="1"/>
           </p:cNvSpPr>
@@ -2761,7 +2416,7 @@
     </p:spTree>
     <p:extLst>
       <p:ext uri="{BB962C8B-B14F-4D97-AF65-F5344CB8AC3E}">
-        <p14:creationId xmlns:p14="http://schemas.microsoft.com/office/powerpoint/2010/main" val="3778442852"/>
+        <p14:creationId xmlns:p14="http://schemas.microsoft.com/office/powerpoint/2010/main" val="1110899513"/>
       </p:ext>
     </p:extLst>
   </p:cSld>
@@ -2795,13 +2450,7 @@
       </p:grpSpPr>
       <p:sp>
         <p:nvSpPr>
-          <p:cNvPr id="2" name="Title Placeholder 1">
-            <a:extLst>
-              <a:ext uri="{FF2B5EF4-FFF2-40B4-BE49-F238E27FC236}">
-                <a16:creationId xmlns:a16="http://schemas.microsoft.com/office/drawing/2014/main" id="{F961E892-2E24-024D-99EF-41EAEDE4B0AA}"/>
-              </a:ext>
-            </a:extLst>
-          </p:cNvPr>
+          <p:cNvPr id="2" name="Title Placeholder 1"/>
           <p:cNvSpPr>
             <a:spLocks noGrp="1"/>
           </p:cNvSpPr>
@@ -2811,8 +2460,8 @@
         </p:nvSpPr>
         <p:spPr>
           <a:xfrm>
-            <a:off x="838200" y="365125"/>
-            <a:ext cx="10515600" cy="1325563"/>
+            <a:off x="494953" y="383299"/>
+            <a:ext cx="6209407" cy="1391534"/>
           </a:xfrm>
           <a:prstGeom prst="rect">
             <a:avLst/>
@@ -2828,19 +2477,13 @@
               <a:rPr lang="en-GB"/>
               <a:t>Click to edit Master title style</a:t>
             </a:r>
-            <a:endParaRPr lang="en-US"/>
-          </a:p>
-        </p:txBody>
-      </p:sp>
-      <p:sp>
-        <p:nvSpPr>
-          <p:cNvPr id="3" name="Text Placeholder 2">
-            <a:extLst>
-              <a:ext uri="{FF2B5EF4-FFF2-40B4-BE49-F238E27FC236}">
-                <a16:creationId xmlns:a16="http://schemas.microsoft.com/office/drawing/2014/main" id="{71E7FFF2-98F7-2244-9796-279D1673F7AC}"/>
-              </a:ext>
-            </a:extLst>
-          </p:cNvPr>
+            <a:endParaRPr lang="en-US" dirty="0"/>
+          </a:p>
+        </p:txBody>
+      </p:sp>
+      <p:sp>
+        <p:nvSpPr>
+          <p:cNvPr id="3" name="Text Placeholder 2"/>
           <p:cNvSpPr>
             <a:spLocks noGrp="1"/>
           </p:cNvSpPr>
@@ -2850,8 +2493,8 @@
         </p:nvSpPr>
         <p:spPr>
           <a:xfrm>
-            <a:off x="838200" y="1825625"/>
-            <a:ext cx="10515600" cy="4351338"/>
+            <a:off x="494953" y="1916484"/>
+            <a:ext cx="6209407" cy="4567898"/>
           </a:xfrm>
           <a:prstGeom prst="rect">
             <a:avLst/>
@@ -2896,19 +2539,13 @@
               <a:rPr lang="en-GB"/>
               <a:t>Fifth level</a:t>
             </a:r>
-            <a:endParaRPr lang="en-US"/>
-          </a:p>
-        </p:txBody>
-      </p:sp>
-      <p:sp>
-        <p:nvSpPr>
-          <p:cNvPr id="4" name="Date Placeholder 3">
-            <a:extLst>
-              <a:ext uri="{FF2B5EF4-FFF2-40B4-BE49-F238E27FC236}">
-                <a16:creationId xmlns:a16="http://schemas.microsoft.com/office/drawing/2014/main" id="{FF6C2710-3B66-734D-898E-6E66636C2706}"/>
-              </a:ext>
-            </a:extLst>
-          </p:cNvPr>
+            <a:endParaRPr lang="en-US" dirty="0"/>
+          </a:p>
+        </p:txBody>
+      </p:sp>
+      <p:sp>
+        <p:nvSpPr>
+          <p:cNvPr id="4" name="Date Placeholder 3"/>
           <p:cNvSpPr>
             <a:spLocks noGrp="1"/>
           </p:cNvSpPr>
@@ -2918,8 +2555,8 @@
         </p:nvSpPr>
         <p:spPr>
           <a:xfrm>
-            <a:off x="838200" y="6356350"/>
-            <a:ext cx="2743200" cy="365125"/>
+            <a:off x="494953" y="6672698"/>
+            <a:ext cx="1619845" cy="383297"/>
           </a:xfrm>
           <a:prstGeom prst="rect">
             <a:avLst/>
@@ -2929,7 +2566,7 @@
           <a:bodyPr vert="horz" lIns="91440" tIns="45720" rIns="91440" bIns="45720" rtlCol="0" anchor="ctr"/>
           <a:lstStyle>
             <a:lvl1pPr algn="l">
-              <a:defRPr sz="1200">
+              <a:defRPr sz="945">
                 <a:solidFill>
                   <a:schemeClr val="tx1">
                     <a:tint val="75000"/>
@@ -2941,7 +2578,7 @@
           <a:p>
             <a:fld id="{7FC4F374-40D8-2645-8AD3-193B0A4A1F7C}" type="datetimeFigureOut">
               <a:rPr lang="en-US" smtClean="0"/>
-              <a:t>8/12/21</a:t>
+              <a:t>9/28/21</a:t>
             </a:fld>
             <a:endParaRPr lang="en-US" dirty="0"/>
           </a:p>
@@ -2949,13 +2586,7 @@
       </p:sp>
       <p:sp>
         <p:nvSpPr>
-          <p:cNvPr id="5" name="Footer Placeholder 4">
-            <a:extLst>
-              <a:ext uri="{FF2B5EF4-FFF2-40B4-BE49-F238E27FC236}">
-                <a16:creationId xmlns:a16="http://schemas.microsoft.com/office/drawing/2014/main" id="{BBA3D173-0B1D-D842-870D-381619DA9DDF}"/>
-              </a:ext>
-            </a:extLst>
-          </p:cNvPr>
+          <p:cNvPr id="5" name="Footer Placeholder 4"/>
           <p:cNvSpPr>
             <a:spLocks noGrp="1"/>
           </p:cNvSpPr>
@@ -2965,8 +2596,8 @@
         </p:nvSpPr>
         <p:spPr>
           <a:xfrm>
-            <a:off x="4038600" y="6356350"/>
-            <a:ext cx="4114800" cy="365125"/>
+            <a:off x="2384773" y="6672698"/>
+            <a:ext cx="2429768" cy="383297"/>
           </a:xfrm>
           <a:prstGeom prst="rect">
             <a:avLst/>
@@ -2976,7 +2607,7 @@
           <a:bodyPr vert="horz" lIns="91440" tIns="45720" rIns="91440" bIns="45720" rtlCol="0" anchor="ctr"/>
           <a:lstStyle>
             <a:lvl1pPr algn="ctr">
-              <a:defRPr sz="1200">
+              <a:defRPr sz="945">
                 <a:solidFill>
                   <a:schemeClr val="tx1">
                     <a:tint val="75000"/>
@@ -2992,13 +2623,7 @@
       </p:sp>
       <p:sp>
         <p:nvSpPr>
-          <p:cNvPr id="6" name="Slide Number Placeholder 5">
-            <a:extLst>
-              <a:ext uri="{FF2B5EF4-FFF2-40B4-BE49-F238E27FC236}">
-                <a16:creationId xmlns:a16="http://schemas.microsoft.com/office/drawing/2014/main" id="{AC7D21E7-E8AF-C04A-982D-3DE68A73784C}"/>
-              </a:ext>
-            </a:extLst>
-          </p:cNvPr>
+          <p:cNvPr id="6" name="Slide Number Placeholder 5"/>
           <p:cNvSpPr>
             <a:spLocks noGrp="1"/>
           </p:cNvSpPr>
@@ -3008,8 +2633,8 @@
         </p:nvSpPr>
         <p:spPr>
           <a:xfrm>
-            <a:off x="8610600" y="6356350"/>
-            <a:ext cx="2743200" cy="365125"/>
+            <a:off x="5084515" y="6672698"/>
+            <a:ext cx="1619845" cy="383297"/>
           </a:xfrm>
           <a:prstGeom prst="rect">
             <a:avLst/>
@@ -3019,7 +2644,7 @@
           <a:bodyPr vert="horz" lIns="91440" tIns="45720" rIns="91440" bIns="45720" rtlCol="0" anchor="ctr"/>
           <a:lstStyle>
             <a:lvl1pPr algn="r">
-              <a:defRPr sz="1200">
+              <a:defRPr sz="945">
                 <a:solidFill>
                   <a:schemeClr val="tx1">
                     <a:tint val="75000"/>
@@ -3040,27 +2665,27 @@
     </p:spTree>
     <p:extLst>
       <p:ext uri="{BB962C8B-B14F-4D97-AF65-F5344CB8AC3E}">
-        <p14:creationId xmlns:p14="http://schemas.microsoft.com/office/powerpoint/2010/main" val="3396327115"/>
+        <p14:creationId xmlns:p14="http://schemas.microsoft.com/office/powerpoint/2010/main" val="3256691561"/>
       </p:ext>
     </p:extLst>
   </p:cSld>
   <p:clrMap bg1="lt1" tx1="dk1" bg2="lt2" tx2="dk2" accent1="accent1" accent2="accent2" accent3="accent3" accent4="accent4" accent5="accent5" accent6="accent6" hlink="hlink" folHlink="folHlink"/>
   <p:sldLayoutIdLst>
-    <p:sldLayoutId id="2147483649" r:id="rId1"/>
-    <p:sldLayoutId id="2147483650" r:id="rId2"/>
-    <p:sldLayoutId id="2147483651" r:id="rId3"/>
-    <p:sldLayoutId id="2147483652" r:id="rId4"/>
-    <p:sldLayoutId id="2147483653" r:id="rId5"/>
-    <p:sldLayoutId id="2147483654" r:id="rId6"/>
-    <p:sldLayoutId id="2147483655" r:id="rId7"/>
-    <p:sldLayoutId id="2147483656" r:id="rId8"/>
-    <p:sldLayoutId id="2147483657" r:id="rId9"/>
-    <p:sldLayoutId id="2147483658" r:id="rId10"/>
-    <p:sldLayoutId id="2147483659" r:id="rId11"/>
+    <p:sldLayoutId id="2147483661" r:id="rId1"/>
+    <p:sldLayoutId id="2147483662" r:id="rId2"/>
+    <p:sldLayoutId id="2147483663" r:id="rId3"/>
+    <p:sldLayoutId id="2147483664" r:id="rId4"/>
+    <p:sldLayoutId id="2147483665" r:id="rId5"/>
+    <p:sldLayoutId id="2147483666" r:id="rId6"/>
+    <p:sldLayoutId id="2147483667" r:id="rId7"/>
+    <p:sldLayoutId id="2147483668" r:id="rId8"/>
+    <p:sldLayoutId id="2147483669" r:id="rId9"/>
+    <p:sldLayoutId id="2147483670" r:id="rId10"/>
+    <p:sldLayoutId id="2147483671" r:id="rId11"/>
   </p:sldLayoutIdLst>
   <p:txStyles>
     <p:titleStyle>
-      <a:lvl1pPr algn="l" defTabSz="914400" rtl="0" eaLnBrk="1" latinLnBrk="0" hangingPunct="1">
+      <a:lvl1pPr algn="l" defTabSz="719907" rtl="0" eaLnBrk="1" latinLnBrk="0" hangingPunct="1">
         <a:lnSpc>
           <a:spcPct val="90000"/>
         </a:lnSpc>
@@ -3068,7 +2693,7 @@
           <a:spcPct val="0"/>
         </a:spcBef>
         <a:buNone/>
-        <a:defRPr sz="4400" kern="1200">
+        <a:defRPr sz="3464" kern="1200">
           <a:solidFill>
             <a:schemeClr val="tx1"/>
           </a:solidFill>
@@ -3079,16 +2704,16 @@
       </a:lvl1pPr>
     </p:titleStyle>
     <p:bodyStyle>
-      <a:lvl1pPr marL="228600" indent="-228600" algn="l" defTabSz="914400" rtl="0" eaLnBrk="1" latinLnBrk="0" hangingPunct="1">
+      <a:lvl1pPr marL="179977" indent="-179977" algn="l" defTabSz="719907" rtl="0" eaLnBrk="1" latinLnBrk="0" hangingPunct="1">
         <a:lnSpc>
           <a:spcPct val="90000"/>
         </a:lnSpc>
         <a:spcBef>
-          <a:spcPts val="1000"/>
+          <a:spcPts val="787"/>
         </a:spcBef>
         <a:buFont typeface="Arial" panose="020B0604020202020204" pitchFamily="34" charset="0"/>
         <a:buChar char="•"/>
-        <a:defRPr sz="2800" kern="1200">
+        <a:defRPr sz="2204" kern="1200">
           <a:solidFill>
             <a:schemeClr val="tx1"/>
           </a:solidFill>
@@ -3097,16 +2722,16 @@
           <a:cs typeface="+mn-cs"/>
         </a:defRPr>
       </a:lvl1pPr>
-      <a:lvl2pPr marL="685800" indent="-228600" algn="l" defTabSz="914400" rtl="0" eaLnBrk="1" latinLnBrk="0" hangingPunct="1">
+      <a:lvl2pPr marL="539930" indent="-179977" algn="l" defTabSz="719907" rtl="0" eaLnBrk="1" latinLnBrk="0" hangingPunct="1">
         <a:lnSpc>
           <a:spcPct val="90000"/>
         </a:lnSpc>
         <a:spcBef>
-          <a:spcPts val="500"/>
+          <a:spcPts val="394"/>
         </a:spcBef>
         <a:buFont typeface="Arial" panose="020B0604020202020204" pitchFamily="34" charset="0"/>
         <a:buChar char="•"/>
-        <a:defRPr sz="2400" kern="1200">
+        <a:defRPr sz="1890" kern="1200">
           <a:solidFill>
             <a:schemeClr val="tx1"/>
           </a:solidFill>
@@ -3115,16 +2740,16 @@
           <a:cs typeface="+mn-cs"/>
         </a:defRPr>
       </a:lvl2pPr>
-      <a:lvl3pPr marL="1143000" indent="-228600" algn="l" defTabSz="914400" rtl="0" eaLnBrk="1" latinLnBrk="0" hangingPunct="1">
+      <a:lvl3pPr marL="899884" indent="-179977" algn="l" defTabSz="719907" rtl="0" eaLnBrk="1" latinLnBrk="0" hangingPunct="1">
         <a:lnSpc>
           <a:spcPct val="90000"/>
         </a:lnSpc>
         <a:spcBef>
-          <a:spcPts val="500"/>
+          <a:spcPts val="394"/>
         </a:spcBef>
         <a:buFont typeface="Arial" panose="020B0604020202020204" pitchFamily="34" charset="0"/>
         <a:buChar char="•"/>
-        <a:defRPr sz="2000" kern="1200">
+        <a:defRPr sz="1575" kern="1200">
           <a:solidFill>
             <a:schemeClr val="tx1"/>
           </a:solidFill>
@@ -3133,16 +2758,16 @@
           <a:cs typeface="+mn-cs"/>
         </a:defRPr>
       </a:lvl3pPr>
-      <a:lvl4pPr marL="1600200" indent="-228600" algn="l" defTabSz="914400" rtl="0" eaLnBrk="1" latinLnBrk="0" hangingPunct="1">
+      <a:lvl4pPr marL="1259837" indent="-179977" algn="l" defTabSz="719907" rtl="0" eaLnBrk="1" latinLnBrk="0" hangingPunct="1">
         <a:lnSpc>
           <a:spcPct val="90000"/>
         </a:lnSpc>
         <a:spcBef>
-          <a:spcPts val="500"/>
+          <a:spcPts val="394"/>
         </a:spcBef>
         <a:buFont typeface="Arial" panose="020B0604020202020204" pitchFamily="34" charset="0"/>
         <a:buChar char="•"/>
-        <a:defRPr sz="1800" kern="1200">
+        <a:defRPr sz="1417" kern="1200">
           <a:solidFill>
             <a:schemeClr val="tx1"/>
           </a:solidFill>
@@ -3151,16 +2776,16 @@
           <a:cs typeface="+mn-cs"/>
         </a:defRPr>
       </a:lvl4pPr>
-      <a:lvl5pPr marL="2057400" indent="-228600" algn="l" defTabSz="914400" rtl="0" eaLnBrk="1" latinLnBrk="0" hangingPunct="1">
+      <a:lvl5pPr marL="1619791" indent="-179977" algn="l" defTabSz="719907" rtl="0" eaLnBrk="1" latinLnBrk="0" hangingPunct="1">
         <a:lnSpc>
           <a:spcPct val="90000"/>
         </a:lnSpc>
         <a:spcBef>
-          <a:spcPts val="500"/>
+          <a:spcPts val="394"/>
         </a:spcBef>
         <a:buFont typeface="Arial" panose="020B0604020202020204" pitchFamily="34" charset="0"/>
         <a:buChar char="•"/>
-        <a:defRPr sz="1800" kern="1200">
+        <a:defRPr sz="1417" kern="1200">
           <a:solidFill>
             <a:schemeClr val="tx1"/>
           </a:solidFill>
@@ -3169,16 +2794,16 @@
           <a:cs typeface="+mn-cs"/>
         </a:defRPr>
       </a:lvl5pPr>
-      <a:lvl6pPr marL="2514600" indent="-228600" algn="l" defTabSz="914400" rtl="0" eaLnBrk="1" latinLnBrk="0" hangingPunct="1">
+      <a:lvl6pPr marL="1979745" indent="-179977" algn="l" defTabSz="719907" rtl="0" eaLnBrk="1" latinLnBrk="0" hangingPunct="1">
         <a:lnSpc>
           <a:spcPct val="90000"/>
         </a:lnSpc>
         <a:spcBef>
-          <a:spcPts val="500"/>
+          <a:spcPts val="394"/>
         </a:spcBef>
         <a:buFont typeface="Arial" panose="020B0604020202020204" pitchFamily="34" charset="0"/>
         <a:buChar char="•"/>
-        <a:defRPr sz="1800" kern="1200">
+        <a:defRPr sz="1417" kern="1200">
           <a:solidFill>
             <a:schemeClr val="tx1"/>
           </a:solidFill>
@@ -3187,16 +2812,16 @@
           <a:cs typeface="+mn-cs"/>
         </a:defRPr>
       </a:lvl6pPr>
-      <a:lvl7pPr marL="2971800" indent="-228600" algn="l" defTabSz="914400" rtl="0" eaLnBrk="1" latinLnBrk="0" hangingPunct="1">
+      <a:lvl7pPr marL="2339698" indent="-179977" algn="l" defTabSz="719907" rtl="0" eaLnBrk="1" latinLnBrk="0" hangingPunct="1">
         <a:lnSpc>
           <a:spcPct val="90000"/>
         </a:lnSpc>
         <a:spcBef>
-          <a:spcPts val="500"/>
+          <a:spcPts val="394"/>
         </a:spcBef>
         <a:buFont typeface="Arial" panose="020B0604020202020204" pitchFamily="34" charset="0"/>
         <a:buChar char="•"/>
-        <a:defRPr sz="1800" kern="1200">
+        <a:defRPr sz="1417" kern="1200">
           <a:solidFill>
             <a:schemeClr val="tx1"/>
           </a:solidFill>
@@ -3205,16 +2830,16 @@
           <a:cs typeface="+mn-cs"/>
         </a:defRPr>
       </a:lvl7pPr>
-      <a:lvl8pPr marL="3429000" indent="-228600" algn="l" defTabSz="914400" rtl="0" eaLnBrk="1" latinLnBrk="0" hangingPunct="1">
+      <a:lvl8pPr marL="2699652" indent="-179977" algn="l" defTabSz="719907" rtl="0" eaLnBrk="1" latinLnBrk="0" hangingPunct="1">
         <a:lnSpc>
           <a:spcPct val="90000"/>
         </a:lnSpc>
         <a:spcBef>
-          <a:spcPts val="500"/>
+          <a:spcPts val="394"/>
         </a:spcBef>
         <a:buFont typeface="Arial" panose="020B0604020202020204" pitchFamily="34" charset="0"/>
         <a:buChar char="•"/>
-        <a:defRPr sz="1800" kern="1200">
+        <a:defRPr sz="1417" kern="1200">
           <a:solidFill>
             <a:schemeClr val="tx1"/>
           </a:solidFill>
@@ -3223,16 +2848,16 @@
           <a:cs typeface="+mn-cs"/>
         </a:defRPr>
       </a:lvl8pPr>
-      <a:lvl9pPr marL="3886200" indent="-228600" algn="l" defTabSz="914400" rtl="0" eaLnBrk="1" latinLnBrk="0" hangingPunct="1">
+      <a:lvl9pPr marL="3059605" indent="-179977" algn="l" defTabSz="719907" rtl="0" eaLnBrk="1" latinLnBrk="0" hangingPunct="1">
         <a:lnSpc>
           <a:spcPct val="90000"/>
         </a:lnSpc>
         <a:spcBef>
-          <a:spcPts val="500"/>
+          <a:spcPts val="394"/>
         </a:spcBef>
         <a:buFont typeface="Arial" panose="020B0604020202020204" pitchFamily="34" charset="0"/>
         <a:buChar char="•"/>
-        <a:defRPr sz="1800" kern="1200">
+        <a:defRPr sz="1417" kern="1200">
           <a:solidFill>
             <a:schemeClr val="tx1"/>
           </a:solidFill>
@@ -3246,8 +2871,8 @@
       <a:defPPr>
         <a:defRPr lang="en-US"/>
       </a:defPPr>
-      <a:lvl1pPr marL="0" algn="l" defTabSz="914400" rtl="0" eaLnBrk="1" latinLnBrk="0" hangingPunct="1">
-        <a:defRPr sz="1800" kern="1200">
+      <a:lvl1pPr marL="0" algn="l" defTabSz="719907" rtl="0" eaLnBrk="1" latinLnBrk="0" hangingPunct="1">
+        <a:defRPr sz="1417" kern="1200">
           <a:solidFill>
             <a:schemeClr val="tx1"/>
           </a:solidFill>
@@ -3256,8 +2881,8 @@
           <a:cs typeface="+mn-cs"/>
         </a:defRPr>
       </a:lvl1pPr>
-      <a:lvl2pPr marL="457200" algn="l" defTabSz="914400" rtl="0" eaLnBrk="1" latinLnBrk="0" hangingPunct="1">
-        <a:defRPr sz="1800" kern="1200">
+      <a:lvl2pPr marL="359954" algn="l" defTabSz="719907" rtl="0" eaLnBrk="1" latinLnBrk="0" hangingPunct="1">
+        <a:defRPr sz="1417" kern="1200">
           <a:solidFill>
             <a:schemeClr val="tx1"/>
           </a:solidFill>
@@ -3266,8 +2891,8 @@
           <a:cs typeface="+mn-cs"/>
         </a:defRPr>
       </a:lvl2pPr>
-      <a:lvl3pPr marL="914400" algn="l" defTabSz="914400" rtl="0" eaLnBrk="1" latinLnBrk="0" hangingPunct="1">
-        <a:defRPr sz="1800" kern="1200">
+      <a:lvl3pPr marL="719907" algn="l" defTabSz="719907" rtl="0" eaLnBrk="1" latinLnBrk="0" hangingPunct="1">
+        <a:defRPr sz="1417" kern="1200">
           <a:solidFill>
             <a:schemeClr val="tx1"/>
           </a:solidFill>
@@ -3276,8 +2901,8 @@
           <a:cs typeface="+mn-cs"/>
         </a:defRPr>
       </a:lvl3pPr>
-      <a:lvl4pPr marL="1371600" algn="l" defTabSz="914400" rtl="0" eaLnBrk="1" latinLnBrk="0" hangingPunct="1">
-        <a:defRPr sz="1800" kern="1200">
+      <a:lvl4pPr marL="1079861" algn="l" defTabSz="719907" rtl="0" eaLnBrk="1" latinLnBrk="0" hangingPunct="1">
+        <a:defRPr sz="1417" kern="1200">
           <a:solidFill>
             <a:schemeClr val="tx1"/>
           </a:solidFill>
@@ -3286,8 +2911,8 @@
           <a:cs typeface="+mn-cs"/>
         </a:defRPr>
       </a:lvl4pPr>
-      <a:lvl5pPr marL="1828800" algn="l" defTabSz="914400" rtl="0" eaLnBrk="1" latinLnBrk="0" hangingPunct="1">
-        <a:defRPr sz="1800" kern="1200">
+      <a:lvl5pPr marL="1439814" algn="l" defTabSz="719907" rtl="0" eaLnBrk="1" latinLnBrk="0" hangingPunct="1">
+        <a:defRPr sz="1417" kern="1200">
           <a:solidFill>
             <a:schemeClr val="tx1"/>
           </a:solidFill>
@@ -3296,8 +2921,8 @@
           <a:cs typeface="+mn-cs"/>
         </a:defRPr>
       </a:lvl5pPr>
-      <a:lvl6pPr marL="2286000" algn="l" defTabSz="914400" rtl="0" eaLnBrk="1" latinLnBrk="0" hangingPunct="1">
-        <a:defRPr sz="1800" kern="1200">
+      <a:lvl6pPr marL="1799768" algn="l" defTabSz="719907" rtl="0" eaLnBrk="1" latinLnBrk="0" hangingPunct="1">
+        <a:defRPr sz="1417" kern="1200">
           <a:solidFill>
             <a:schemeClr val="tx1"/>
           </a:solidFill>
@@ -3306,8 +2931,8 @@
           <a:cs typeface="+mn-cs"/>
         </a:defRPr>
       </a:lvl6pPr>
-      <a:lvl7pPr marL="2743200" algn="l" defTabSz="914400" rtl="0" eaLnBrk="1" latinLnBrk="0" hangingPunct="1">
-        <a:defRPr sz="1800" kern="1200">
+      <a:lvl7pPr marL="2159721" algn="l" defTabSz="719907" rtl="0" eaLnBrk="1" latinLnBrk="0" hangingPunct="1">
+        <a:defRPr sz="1417" kern="1200">
           <a:solidFill>
             <a:schemeClr val="tx1"/>
           </a:solidFill>
@@ -3316,8 +2941,8 @@
           <a:cs typeface="+mn-cs"/>
         </a:defRPr>
       </a:lvl7pPr>
-      <a:lvl8pPr marL="3200400" algn="l" defTabSz="914400" rtl="0" eaLnBrk="1" latinLnBrk="0" hangingPunct="1">
-        <a:defRPr sz="1800" kern="1200">
+      <a:lvl8pPr marL="2519675" algn="l" defTabSz="719907" rtl="0" eaLnBrk="1" latinLnBrk="0" hangingPunct="1">
+        <a:defRPr sz="1417" kern="1200">
           <a:solidFill>
             <a:schemeClr val="tx1"/>
           </a:solidFill>
@@ -3326,8 +2951,8 @@
           <a:cs typeface="+mn-cs"/>
         </a:defRPr>
       </a:lvl8pPr>
-      <a:lvl9pPr marL="3657600" algn="l" defTabSz="914400" rtl="0" eaLnBrk="1" latinLnBrk="0" hangingPunct="1">
-        <a:defRPr sz="1800" kern="1200">
+      <a:lvl9pPr marL="2879628" algn="l" defTabSz="719907" rtl="0" eaLnBrk="1" latinLnBrk="0" hangingPunct="1">
+        <a:defRPr sz="1417" kern="1200">
           <a:solidFill>
             <a:schemeClr val="tx1"/>
           </a:solidFill>
@@ -3344,6 +2969,14 @@
 <file path=ppt/slides/slide1.xml><?xml version="1.0" encoding="utf-8"?>
 <p:sld xmlns:a="http://schemas.openxmlformats.org/drawingml/2006/main" xmlns:r="http://schemas.openxmlformats.org/officeDocument/2006/relationships" xmlns:p="http://schemas.openxmlformats.org/presentationml/2006/main">
   <p:cSld>
+    <p:bg>
+      <p:bgPr>
+        <a:solidFill>
+          <a:srgbClr val="4472C4"/>
+        </a:solidFill>
+        <a:effectLst/>
+      </p:bgPr>
+    </p:bg>
     <p:spTree>
       <p:nvGrpSpPr>
         <p:cNvPr id="1" name=""/>
@@ -3358,406 +2991,72 @@
           <a:chExt cx="0" cy="0"/>
         </a:xfrm>
       </p:grpSpPr>
-      <p:grpSp>
-        <p:nvGrpSpPr>
-          <p:cNvPr id="10" name="Group 9">
+      <p:pic>
+        <p:nvPicPr>
+          <p:cNvPr id="5" name="Graphic 4" descr="Keyboard outline">
             <a:extLst>
               <a:ext uri="{FF2B5EF4-FFF2-40B4-BE49-F238E27FC236}">
-                <a16:creationId xmlns:a16="http://schemas.microsoft.com/office/drawing/2014/main" id="{9119D839-2F5A-2E4A-A702-8950B0A55B68}"/>
+                <a16:creationId xmlns:a16="http://schemas.microsoft.com/office/drawing/2014/main" id="{ABE01735-B996-514A-B5B6-10189C7E54FD}"/>
               </a:ext>
             </a:extLst>
           </p:cNvPr>
-          <p:cNvGrpSpPr/>
+          <p:cNvPicPr>
+            <a:picLocks noChangeAspect="1"/>
+          </p:cNvPicPr>
           <p:nvPr/>
-        </p:nvGrpSpPr>
-        <p:grpSpPr>
+        </p:nvPicPr>
+        <p:blipFill>
+          <a:blip r:embed="rId2">
+            <a:extLst>
+              <a:ext uri="{96DAC541-7B7A-43D3-8B79-37D633B846F1}">
+                <asvg:svgBlip xmlns:asvg="http://schemas.microsoft.com/office/drawing/2016/SVG/main" r:embed="rId3"/>
+              </a:ext>
+            </a:extLst>
+          </a:blip>
+          <a:stretch>
+            <a:fillRect/>
+          </a:stretch>
+        </p:blipFill>
+        <p:spPr>
           <a:xfrm>
-            <a:off x="3648074" y="1508877"/>
-            <a:ext cx="2365548" cy="2881892"/>
-            <a:chOff x="3648074" y="1508877"/>
-            <a:chExt cx="2365548" cy="2881892"/>
+            <a:off x="304799" y="1599459"/>
+            <a:ext cx="6509656" cy="5083317"/>
           </a:xfrm>
-        </p:grpSpPr>
-        <p:sp>
-          <p:nvSpPr>
-            <p:cNvPr id="9" name="Rectangle 8">
-              <a:extLst>
-                <a:ext uri="{FF2B5EF4-FFF2-40B4-BE49-F238E27FC236}">
-                  <a16:creationId xmlns:a16="http://schemas.microsoft.com/office/drawing/2014/main" id="{6E283A60-DCBE-804D-B68D-D8B0B8E71898}"/>
-                </a:ext>
-              </a:extLst>
-            </p:cNvPr>
-            <p:cNvSpPr>
-              <a:spLocks noChangeAspect="1"/>
-            </p:cNvSpPr>
-            <p:nvPr/>
-          </p:nvSpPr>
-          <p:spPr>
-            <a:xfrm>
-              <a:off x="3648075" y="1756128"/>
-              <a:ext cx="2209030" cy="2209030"/>
-            </a:xfrm>
-            <a:custGeom>
-              <a:avLst/>
-              <a:gdLst>
-                <a:gd name="connsiteX0" fmla="*/ 0 w 2209030"/>
-                <a:gd name="connsiteY0" fmla="*/ 0 h 2209030"/>
-                <a:gd name="connsiteX1" fmla="*/ 552258 w 2209030"/>
-                <a:gd name="connsiteY1" fmla="*/ 0 h 2209030"/>
-                <a:gd name="connsiteX2" fmla="*/ 1126605 w 2209030"/>
-                <a:gd name="connsiteY2" fmla="*/ 0 h 2209030"/>
-                <a:gd name="connsiteX3" fmla="*/ 1612592 w 2209030"/>
-                <a:gd name="connsiteY3" fmla="*/ 0 h 2209030"/>
-                <a:gd name="connsiteX4" fmla="*/ 2209030 w 2209030"/>
-                <a:gd name="connsiteY4" fmla="*/ 0 h 2209030"/>
-                <a:gd name="connsiteX5" fmla="*/ 2209030 w 2209030"/>
-                <a:gd name="connsiteY5" fmla="*/ 574348 h 2209030"/>
-                <a:gd name="connsiteX6" fmla="*/ 2209030 w 2209030"/>
-                <a:gd name="connsiteY6" fmla="*/ 1082425 h 2209030"/>
-                <a:gd name="connsiteX7" fmla="*/ 2209030 w 2209030"/>
-                <a:gd name="connsiteY7" fmla="*/ 1634682 h 2209030"/>
-                <a:gd name="connsiteX8" fmla="*/ 2209030 w 2209030"/>
-                <a:gd name="connsiteY8" fmla="*/ 2209030 h 2209030"/>
-                <a:gd name="connsiteX9" fmla="*/ 1723043 w 2209030"/>
-                <a:gd name="connsiteY9" fmla="*/ 2209030 h 2209030"/>
-                <a:gd name="connsiteX10" fmla="*/ 1148696 w 2209030"/>
-                <a:gd name="connsiteY10" fmla="*/ 2209030 h 2209030"/>
-                <a:gd name="connsiteX11" fmla="*/ 640619 w 2209030"/>
-                <a:gd name="connsiteY11" fmla="*/ 2209030 h 2209030"/>
-                <a:gd name="connsiteX12" fmla="*/ 0 w 2209030"/>
-                <a:gd name="connsiteY12" fmla="*/ 2209030 h 2209030"/>
-                <a:gd name="connsiteX13" fmla="*/ 0 w 2209030"/>
-                <a:gd name="connsiteY13" fmla="*/ 1678863 h 2209030"/>
-                <a:gd name="connsiteX14" fmla="*/ 0 w 2209030"/>
-                <a:gd name="connsiteY14" fmla="*/ 1126605 h 2209030"/>
-                <a:gd name="connsiteX15" fmla="*/ 0 w 2209030"/>
-                <a:gd name="connsiteY15" fmla="*/ 552258 h 2209030"/>
-                <a:gd name="connsiteX16" fmla="*/ 0 w 2209030"/>
-                <a:gd name="connsiteY16" fmla="*/ 0 h 2209030"/>
-              </a:gdLst>
-              <a:ahLst/>
-              <a:cxnLst>
-                <a:cxn ang="0">
-                  <a:pos x="connsiteX0" y="connsiteY0"/>
-                </a:cxn>
-                <a:cxn ang="0">
-                  <a:pos x="connsiteX1" y="connsiteY1"/>
-                </a:cxn>
-                <a:cxn ang="0">
-                  <a:pos x="connsiteX2" y="connsiteY2"/>
-                </a:cxn>
-                <a:cxn ang="0">
-                  <a:pos x="connsiteX3" y="connsiteY3"/>
-                </a:cxn>
-                <a:cxn ang="0">
-                  <a:pos x="connsiteX4" y="connsiteY4"/>
-                </a:cxn>
-                <a:cxn ang="0">
-                  <a:pos x="connsiteX5" y="connsiteY5"/>
-                </a:cxn>
-                <a:cxn ang="0">
-                  <a:pos x="connsiteX6" y="connsiteY6"/>
-                </a:cxn>
-                <a:cxn ang="0">
-                  <a:pos x="connsiteX7" y="connsiteY7"/>
-                </a:cxn>
-                <a:cxn ang="0">
-                  <a:pos x="connsiteX8" y="connsiteY8"/>
-                </a:cxn>
-                <a:cxn ang="0">
-                  <a:pos x="connsiteX9" y="connsiteY9"/>
-                </a:cxn>
-                <a:cxn ang="0">
-                  <a:pos x="connsiteX10" y="connsiteY10"/>
-                </a:cxn>
-                <a:cxn ang="0">
-                  <a:pos x="connsiteX11" y="connsiteY11"/>
-                </a:cxn>
-                <a:cxn ang="0">
-                  <a:pos x="connsiteX12" y="connsiteY12"/>
-                </a:cxn>
-                <a:cxn ang="0">
-                  <a:pos x="connsiteX13" y="connsiteY13"/>
-                </a:cxn>
-                <a:cxn ang="0">
-                  <a:pos x="connsiteX14" y="connsiteY14"/>
-                </a:cxn>
-                <a:cxn ang="0">
-                  <a:pos x="connsiteX15" y="connsiteY15"/>
-                </a:cxn>
-                <a:cxn ang="0">
-                  <a:pos x="connsiteX16" y="connsiteY16"/>
-                </a:cxn>
-              </a:cxnLst>
-              <a:rect l="l" t="t" r="r" b="b"/>
-              <a:pathLst>
-                <a:path w="2209030" h="2209030" fill="none" extrusionOk="0">
-                  <a:moveTo>
-                    <a:pt x="0" y="0"/>
-                  </a:moveTo>
-                  <a:cubicBezTo>
-                    <a:pt x="145369" y="-521"/>
-                    <a:pt x="299460" y="9330"/>
-                    <a:pt x="552258" y="0"/>
-                  </a:cubicBezTo>
-                  <a:cubicBezTo>
-                    <a:pt x="805056" y="-9330"/>
-                    <a:pt x="1002193" y="23662"/>
-                    <a:pt x="1126605" y="0"/>
-                  </a:cubicBezTo>
-                  <a:cubicBezTo>
-                    <a:pt x="1251017" y="-23662"/>
-                    <a:pt x="1433990" y="3689"/>
-                    <a:pt x="1612592" y="0"/>
-                  </a:cubicBezTo>
-                  <a:cubicBezTo>
-                    <a:pt x="1791194" y="-3689"/>
-                    <a:pt x="2008997" y="27565"/>
-                    <a:pt x="2209030" y="0"/>
-                  </a:cubicBezTo>
-                  <a:cubicBezTo>
-                    <a:pt x="2235999" y="154761"/>
-                    <a:pt x="2195149" y="324564"/>
-                    <a:pt x="2209030" y="574348"/>
-                  </a:cubicBezTo>
-                  <a:cubicBezTo>
-                    <a:pt x="2222911" y="824132"/>
-                    <a:pt x="2195006" y="980157"/>
-                    <a:pt x="2209030" y="1082425"/>
-                  </a:cubicBezTo>
-                  <a:cubicBezTo>
-                    <a:pt x="2223054" y="1184693"/>
-                    <a:pt x="2148519" y="1487127"/>
-                    <a:pt x="2209030" y="1634682"/>
-                  </a:cubicBezTo>
-                  <a:cubicBezTo>
-                    <a:pt x="2269541" y="1782237"/>
-                    <a:pt x="2149004" y="1975729"/>
-                    <a:pt x="2209030" y="2209030"/>
-                  </a:cubicBezTo>
-                  <a:cubicBezTo>
-                    <a:pt x="2020903" y="2221978"/>
-                    <a:pt x="1852183" y="2180102"/>
-                    <a:pt x="1723043" y="2209030"/>
-                  </a:cubicBezTo>
-                  <a:cubicBezTo>
-                    <a:pt x="1593903" y="2237958"/>
-                    <a:pt x="1346454" y="2143023"/>
-                    <a:pt x="1148696" y="2209030"/>
-                  </a:cubicBezTo>
-                  <a:cubicBezTo>
-                    <a:pt x="950938" y="2275037"/>
-                    <a:pt x="862589" y="2159128"/>
-                    <a:pt x="640619" y="2209030"/>
-                  </a:cubicBezTo>
-                  <a:cubicBezTo>
-                    <a:pt x="418649" y="2258932"/>
-                    <a:pt x="309351" y="2205800"/>
-                    <a:pt x="0" y="2209030"/>
-                  </a:cubicBezTo>
-                  <a:cubicBezTo>
-                    <a:pt x="-6987" y="1998336"/>
-                    <a:pt x="58956" y="1875685"/>
-                    <a:pt x="0" y="1678863"/>
-                  </a:cubicBezTo>
-                  <a:cubicBezTo>
-                    <a:pt x="-58956" y="1482041"/>
-                    <a:pt x="26089" y="1344302"/>
-                    <a:pt x="0" y="1126605"/>
-                  </a:cubicBezTo>
-                  <a:cubicBezTo>
-                    <a:pt x="-26089" y="908908"/>
-                    <a:pt x="28981" y="776130"/>
-                    <a:pt x="0" y="552258"/>
-                  </a:cubicBezTo>
-                  <a:cubicBezTo>
-                    <a:pt x="-28981" y="328386"/>
-                    <a:pt x="58476" y="134672"/>
-                    <a:pt x="0" y="0"/>
-                  </a:cubicBezTo>
-                  <a:close/>
-                </a:path>
-                <a:path w="2209030" h="2209030" stroke="0" extrusionOk="0">
-                  <a:moveTo>
-                    <a:pt x="0" y="0"/>
-                  </a:moveTo>
-                  <a:cubicBezTo>
-                    <a:pt x="257850" y="-42263"/>
-                    <a:pt x="266153" y="48670"/>
-                    <a:pt x="530167" y="0"/>
-                  </a:cubicBezTo>
-                  <a:cubicBezTo>
-                    <a:pt x="794181" y="-48670"/>
-                    <a:pt x="807170" y="57184"/>
-                    <a:pt x="1016154" y="0"/>
-                  </a:cubicBezTo>
-                  <a:cubicBezTo>
-                    <a:pt x="1225138" y="-57184"/>
-                    <a:pt x="1442023" y="59183"/>
-                    <a:pt x="1612592" y="0"/>
-                  </a:cubicBezTo>
-                  <a:cubicBezTo>
-                    <a:pt x="1783161" y="-59183"/>
-                    <a:pt x="2019167" y="25502"/>
-                    <a:pt x="2209030" y="0"/>
-                  </a:cubicBezTo>
-                  <a:cubicBezTo>
-                    <a:pt x="2212043" y="216440"/>
-                    <a:pt x="2155824" y="387267"/>
-                    <a:pt x="2209030" y="530167"/>
-                  </a:cubicBezTo>
-                  <a:cubicBezTo>
-                    <a:pt x="2262236" y="673067"/>
-                    <a:pt x="2190879" y="836151"/>
-                    <a:pt x="2209030" y="1038244"/>
-                  </a:cubicBezTo>
-                  <a:cubicBezTo>
-                    <a:pt x="2227181" y="1240337"/>
-                    <a:pt x="2176149" y="1422537"/>
-                    <a:pt x="2209030" y="1590502"/>
-                  </a:cubicBezTo>
-                  <a:cubicBezTo>
-                    <a:pt x="2241911" y="1758467"/>
-                    <a:pt x="2198318" y="2032531"/>
-                    <a:pt x="2209030" y="2209030"/>
-                  </a:cubicBezTo>
-                  <a:cubicBezTo>
-                    <a:pt x="2099782" y="2230063"/>
-                    <a:pt x="1845750" y="2170025"/>
-                    <a:pt x="1700953" y="2209030"/>
-                  </a:cubicBezTo>
-                  <a:cubicBezTo>
-                    <a:pt x="1556156" y="2248035"/>
-                    <a:pt x="1418859" y="2150469"/>
-                    <a:pt x="1148696" y="2209030"/>
-                  </a:cubicBezTo>
-                  <a:cubicBezTo>
-                    <a:pt x="878533" y="2267591"/>
-                    <a:pt x="829530" y="2184717"/>
-                    <a:pt x="596438" y="2209030"/>
-                  </a:cubicBezTo>
-                  <a:cubicBezTo>
-                    <a:pt x="363346" y="2233343"/>
-                    <a:pt x="229635" y="2180838"/>
-                    <a:pt x="0" y="2209030"/>
-                  </a:cubicBezTo>
-                  <a:cubicBezTo>
-                    <a:pt x="-3497" y="2021103"/>
-                    <a:pt x="29450" y="1758490"/>
-                    <a:pt x="0" y="1612592"/>
-                  </a:cubicBezTo>
-                  <a:cubicBezTo>
-                    <a:pt x="-29450" y="1466694"/>
-                    <a:pt x="65943" y="1235304"/>
-                    <a:pt x="0" y="1016154"/>
-                  </a:cubicBezTo>
-                  <a:cubicBezTo>
-                    <a:pt x="-65943" y="797004"/>
-                    <a:pt x="21384" y="264400"/>
-                    <a:pt x="0" y="0"/>
-                  </a:cubicBezTo>
-                  <a:close/>
-                </a:path>
-              </a:pathLst>
-            </a:custGeom>
-            <a:ln w="101600" cap="rnd">
-              <a:solidFill>
-                <a:schemeClr val="accent1"/>
-              </a:solidFill>
-              <a:extLst>
-                <a:ext uri="{C807C97D-BFC1-408E-A445-0C87EB9F89A2}">
-                  <ask:lineSketchStyleProps xmlns:ask="http://schemas.microsoft.com/office/drawing/2018/sketchyshapes" sd="1219033472">
-                    <a:prstGeom prst="rect">
-                      <a:avLst/>
-                    </a:prstGeom>
-                    <ask:type>
-                      <ask:lineSketchScribble/>
-                    </ask:type>
-                  </ask:lineSketchStyleProps>
-                </a:ext>
-              </a:extLst>
-            </a:ln>
-          </p:spPr>
-          <p:style>
-            <a:lnRef idx="2">
-              <a:schemeClr val="accent1">
-                <a:shade val="50000"/>
-              </a:schemeClr>
-            </a:lnRef>
-            <a:fillRef idx="1">
-              <a:schemeClr val="accent1"/>
-            </a:fillRef>
-            <a:effectRef idx="0">
-              <a:schemeClr val="accent1"/>
-            </a:effectRef>
-            <a:fontRef idx="minor">
-              <a:schemeClr val="lt1"/>
-            </a:fontRef>
-          </p:style>
-          <p:txBody>
-            <a:bodyPr rtlCol="0" anchor="ctr"/>
-            <a:lstStyle/>
-            <a:p>
-              <a:pPr algn="ctr"/>
-              <a:endParaRPr lang="en-US" dirty="0"/>
-            </a:p>
-          </p:txBody>
-        </p:sp>
-        <p:sp>
-          <p:nvSpPr>
-            <p:cNvPr id="3" name="TextBox 2">
-              <a:extLst>
-                <a:ext uri="{FF2B5EF4-FFF2-40B4-BE49-F238E27FC236}">
-                  <a16:creationId xmlns:a16="http://schemas.microsoft.com/office/drawing/2014/main" id="{53E8CBB8-D25A-F840-89B1-792F4A91FA88}"/>
-                </a:ext>
-              </a:extLst>
-            </p:cNvPr>
-            <p:cNvSpPr txBox="1"/>
-            <p:nvPr/>
-          </p:nvSpPr>
-          <p:spPr>
-            <a:xfrm>
-              <a:off x="3648074" y="1508877"/>
-              <a:ext cx="2365548" cy="1631216"/>
-            </a:xfrm>
-            <a:prstGeom prst="rect">
-              <a:avLst/>
-            </a:prstGeom>
-            <a:noFill/>
-          </p:spPr>
-          <p:txBody>
-            <a:bodyPr wrap="square" rtlCol="0">
-              <a:spAutoFit/>
-            </a:bodyPr>
-            <a:lstStyle/>
-            <a:p>
-              <a:r>
-                <a:rPr lang="en-US" sz="10000" dirty="0">
-                  <a:solidFill>
-                    <a:schemeClr val="accent6">
-                      <a:lumMod val="60000"/>
-                      <a:lumOff val="40000"/>
-                    </a:schemeClr>
-                  </a:solidFill>
-                  <a:latin typeface="Chalkboard SE" panose="03050602040202020205" pitchFamily="66" charset="77"/>
-                  <a:cs typeface="Biome" panose="020B0604020202020204" pitchFamily="34" charset="0"/>
-                </a:rPr>
-                <a:t>A</a:t>
-              </a:r>
-              <a:r>
-                <a:rPr lang="en-US" sz="6600" dirty="0">
-                  <a:solidFill>
-                    <a:schemeClr val="accent6">
-                      <a:lumMod val="60000"/>
-                      <a:lumOff val="40000"/>
-                    </a:schemeClr>
-                  </a:solidFill>
-                  <a:latin typeface="Chalkboard SE" panose="03050602040202020205" pitchFamily="66" charset="77"/>
-                  <a:cs typeface="Biome" panose="020B0604020202020204" pitchFamily="34" charset="0"/>
-                </a:rPr>
-                <a:t>rte</a:t>
-              </a:r>
-              <a:endParaRPr lang="en-US" sz="10000" dirty="0">
+          <a:prstGeom prst="rect">
+            <a:avLst/>
+          </a:prstGeom>
+        </p:spPr>
+      </p:pic>
+      <p:sp>
+        <p:nvSpPr>
+          <p:cNvPr id="3" name="TextBox 2">
+            <a:extLst>
+              <a:ext uri="{FF2B5EF4-FFF2-40B4-BE49-F238E27FC236}">
+                <a16:creationId xmlns:a16="http://schemas.microsoft.com/office/drawing/2014/main" id="{53E8CBB8-D25A-F840-89B1-792F4A91FA88}"/>
+              </a:ext>
+            </a:extLst>
+          </p:cNvPr>
+          <p:cNvSpPr txBox="1"/>
+          <p:nvPr/>
+        </p:nvSpPr>
+        <p:spPr>
+          <a:xfrm>
+            <a:off x="304799" y="-28986"/>
+            <a:ext cx="7199313" cy="3416320"/>
+          </a:xfrm>
+          <a:prstGeom prst="rect">
+            <a:avLst/>
+          </a:prstGeom>
+          <a:noFill/>
+        </p:spPr>
+        <p:txBody>
+          <a:bodyPr wrap="square" rtlCol="0">
+            <a:spAutoFit/>
+          </a:bodyPr>
+          <a:lstStyle/>
+          <a:p>
+            <a:r>
+              <a:rPr lang="en-US" sz="21000" dirty="0">
                 <a:solidFill>
                   <a:schemeClr val="accent6">
                     <a:lumMod val="60000"/>
@@ -3766,473 +3065,12 @@
                 </a:solidFill>
                 <a:latin typeface="Chalkboard SE" panose="03050602040202020205" pitchFamily="66" charset="77"/>
                 <a:cs typeface="Biome" panose="020B0604020202020204" pitchFamily="34" charset="0"/>
-              </a:endParaRPr>
-            </a:p>
-          </p:txBody>
-        </p:sp>
-        <p:pic>
-          <p:nvPicPr>
-            <p:cNvPr id="5" name="Graphic 4" descr="Keyboard outline">
-              <a:extLst>
-                <a:ext uri="{FF2B5EF4-FFF2-40B4-BE49-F238E27FC236}">
-                  <a16:creationId xmlns:a16="http://schemas.microsoft.com/office/drawing/2014/main" id="{ABE01735-B996-514A-B5B6-10189C7E54FD}"/>
-                </a:ext>
-              </a:extLst>
-            </p:cNvPr>
-            <p:cNvPicPr>
-              <a:picLocks noChangeAspect="1"/>
-            </p:cNvPicPr>
-            <p:nvPr/>
-          </p:nvPicPr>
-          <p:blipFill>
-            <a:blip r:embed="rId2">
-              <a:extLst>
-                <a:ext uri="{96DAC541-7B7A-43D3-8B79-37D633B846F1}">
-                  <asvg:svgBlip xmlns:asvg="http://schemas.microsoft.com/office/drawing/2016/SVG/main" r:embed="rId3"/>
-                </a:ext>
-              </a:extLst>
-            </a:blip>
-            <a:stretch>
-              <a:fillRect/>
-            </a:stretch>
-          </p:blipFill>
-          <p:spPr>
-            <a:xfrm>
-              <a:off x="3729288" y="2266353"/>
-              <a:ext cx="2045196" cy="2124416"/>
-            </a:xfrm>
-            <a:prstGeom prst="rect">
-              <a:avLst/>
-            </a:prstGeom>
-          </p:spPr>
-        </p:pic>
-      </p:grpSp>
-      <p:grpSp>
-        <p:nvGrpSpPr>
-          <p:cNvPr id="11" name="Group 10">
-            <a:extLst>
-              <a:ext uri="{FF2B5EF4-FFF2-40B4-BE49-F238E27FC236}">
-                <a16:creationId xmlns:a16="http://schemas.microsoft.com/office/drawing/2014/main" id="{0B82BB4D-6E04-644C-9DE0-1BD9B153A949}"/>
-              </a:ext>
-            </a:extLst>
-          </p:cNvPr>
-          <p:cNvGrpSpPr/>
-          <p:nvPr/>
-        </p:nvGrpSpPr>
-        <p:grpSpPr>
-          <a:xfrm>
-            <a:off x="6282418" y="1220670"/>
-            <a:ext cx="2551722" cy="3270538"/>
-            <a:chOff x="3648075" y="1220670"/>
-            <a:chExt cx="2551722" cy="3270538"/>
-          </a:xfrm>
-        </p:grpSpPr>
-        <p:sp>
-          <p:nvSpPr>
-            <p:cNvPr id="12" name="Rectangle 11">
-              <a:extLst>
-                <a:ext uri="{FF2B5EF4-FFF2-40B4-BE49-F238E27FC236}">
-                  <a16:creationId xmlns:a16="http://schemas.microsoft.com/office/drawing/2014/main" id="{33FBE32F-A138-9348-935D-7F34827297FC}"/>
-                </a:ext>
-              </a:extLst>
-            </p:cNvPr>
-            <p:cNvSpPr>
-              <a:spLocks noChangeAspect="1"/>
-            </p:cNvSpPr>
-            <p:nvPr/>
-          </p:nvSpPr>
-          <p:spPr>
-            <a:xfrm>
-              <a:off x="3648075" y="1756128"/>
-              <a:ext cx="2209030" cy="2209030"/>
-            </a:xfrm>
-            <a:custGeom>
-              <a:avLst/>
-              <a:gdLst>
-                <a:gd name="connsiteX0" fmla="*/ 0 w 2209030"/>
-                <a:gd name="connsiteY0" fmla="*/ 0 h 2209030"/>
-                <a:gd name="connsiteX1" fmla="*/ 552258 w 2209030"/>
-                <a:gd name="connsiteY1" fmla="*/ 0 h 2209030"/>
-                <a:gd name="connsiteX2" fmla="*/ 1126605 w 2209030"/>
-                <a:gd name="connsiteY2" fmla="*/ 0 h 2209030"/>
-                <a:gd name="connsiteX3" fmla="*/ 1612592 w 2209030"/>
-                <a:gd name="connsiteY3" fmla="*/ 0 h 2209030"/>
-                <a:gd name="connsiteX4" fmla="*/ 2209030 w 2209030"/>
-                <a:gd name="connsiteY4" fmla="*/ 0 h 2209030"/>
-                <a:gd name="connsiteX5" fmla="*/ 2209030 w 2209030"/>
-                <a:gd name="connsiteY5" fmla="*/ 574348 h 2209030"/>
-                <a:gd name="connsiteX6" fmla="*/ 2209030 w 2209030"/>
-                <a:gd name="connsiteY6" fmla="*/ 1082425 h 2209030"/>
-                <a:gd name="connsiteX7" fmla="*/ 2209030 w 2209030"/>
-                <a:gd name="connsiteY7" fmla="*/ 1634682 h 2209030"/>
-                <a:gd name="connsiteX8" fmla="*/ 2209030 w 2209030"/>
-                <a:gd name="connsiteY8" fmla="*/ 2209030 h 2209030"/>
-                <a:gd name="connsiteX9" fmla="*/ 1723043 w 2209030"/>
-                <a:gd name="connsiteY9" fmla="*/ 2209030 h 2209030"/>
-                <a:gd name="connsiteX10" fmla="*/ 1148696 w 2209030"/>
-                <a:gd name="connsiteY10" fmla="*/ 2209030 h 2209030"/>
-                <a:gd name="connsiteX11" fmla="*/ 640619 w 2209030"/>
-                <a:gd name="connsiteY11" fmla="*/ 2209030 h 2209030"/>
-                <a:gd name="connsiteX12" fmla="*/ 0 w 2209030"/>
-                <a:gd name="connsiteY12" fmla="*/ 2209030 h 2209030"/>
-                <a:gd name="connsiteX13" fmla="*/ 0 w 2209030"/>
-                <a:gd name="connsiteY13" fmla="*/ 1678863 h 2209030"/>
-                <a:gd name="connsiteX14" fmla="*/ 0 w 2209030"/>
-                <a:gd name="connsiteY14" fmla="*/ 1126605 h 2209030"/>
-                <a:gd name="connsiteX15" fmla="*/ 0 w 2209030"/>
-                <a:gd name="connsiteY15" fmla="*/ 552258 h 2209030"/>
-                <a:gd name="connsiteX16" fmla="*/ 0 w 2209030"/>
-                <a:gd name="connsiteY16" fmla="*/ 0 h 2209030"/>
-              </a:gdLst>
-              <a:ahLst/>
-              <a:cxnLst>
-                <a:cxn ang="0">
-                  <a:pos x="connsiteX0" y="connsiteY0"/>
-                </a:cxn>
-                <a:cxn ang="0">
-                  <a:pos x="connsiteX1" y="connsiteY1"/>
-                </a:cxn>
-                <a:cxn ang="0">
-                  <a:pos x="connsiteX2" y="connsiteY2"/>
-                </a:cxn>
-                <a:cxn ang="0">
-                  <a:pos x="connsiteX3" y="connsiteY3"/>
-                </a:cxn>
-                <a:cxn ang="0">
-                  <a:pos x="connsiteX4" y="connsiteY4"/>
-                </a:cxn>
-                <a:cxn ang="0">
-                  <a:pos x="connsiteX5" y="connsiteY5"/>
-                </a:cxn>
-                <a:cxn ang="0">
-                  <a:pos x="connsiteX6" y="connsiteY6"/>
-                </a:cxn>
-                <a:cxn ang="0">
-                  <a:pos x="connsiteX7" y="connsiteY7"/>
-                </a:cxn>
-                <a:cxn ang="0">
-                  <a:pos x="connsiteX8" y="connsiteY8"/>
-                </a:cxn>
-                <a:cxn ang="0">
-                  <a:pos x="connsiteX9" y="connsiteY9"/>
-                </a:cxn>
-                <a:cxn ang="0">
-                  <a:pos x="connsiteX10" y="connsiteY10"/>
-                </a:cxn>
-                <a:cxn ang="0">
-                  <a:pos x="connsiteX11" y="connsiteY11"/>
-                </a:cxn>
-                <a:cxn ang="0">
-                  <a:pos x="connsiteX12" y="connsiteY12"/>
-                </a:cxn>
-                <a:cxn ang="0">
-                  <a:pos x="connsiteX13" y="connsiteY13"/>
-                </a:cxn>
-                <a:cxn ang="0">
-                  <a:pos x="connsiteX14" y="connsiteY14"/>
-                </a:cxn>
-                <a:cxn ang="0">
-                  <a:pos x="connsiteX15" y="connsiteY15"/>
-                </a:cxn>
-                <a:cxn ang="0">
-                  <a:pos x="connsiteX16" y="connsiteY16"/>
-                </a:cxn>
-              </a:cxnLst>
-              <a:rect l="l" t="t" r="r" b="b"/>
-              <a:pathLst>
-                <a:path w="2209030" h="2209030" fill="none" extrusionOk="0">
-                  <a:moveTo>
-                    <a:pt x="0" y="0"/>
-                  </a:moveTo>
-                  <a:cubicBezTo>
-                    <a:pt x="145369" y="-521"/>
-                    <a:pt x="299460" y="9330"/>
-                    <a:pt x="552258" y="0"/>
-                  </a:cubicBezTo>
-                  <a:cubicBezTo>
-                    <a:pt x="805056" y="-9330"/>
-                    <a:pt x="1002193" y="23662"/>
-                    <a:pt x="1126605" y="0"/>
-                  </a:cubicBezTo>
-                  <a:cubicBezTo>
-                    <a:pt x="1251017" y="-23662"/>
-                    <a:pt x="1433990" y="3689"/>
-                    <a:pt x="1612592" y="0"/>
-                  </a:cubicBezTo>
-                  <a:cubicBezTo>
-                    <a:pt x="1791194" y="-3689"/>
-                    <a:pt x="2008997" y="27565"/>
-                    <a:pt x="2209030" y="0"/>
-                  </a:cubicBezTo>
-                  <a:cubicBezTo>
-                    <a:pt x="2235999" y="154761"/>
-                    <a:pt x="2195149" y="324564"/>
-                    <a:pt x="2209030" y="574348"/>
-                  </a:cubicBezTo>
-                  <a:cubicBezTo>
-                    <a:pt x="2222911" y="824132"/>
-                    <a:pt x="2195006" y="980157"/>
-                    <a:pt x="2209030" y="1082425"/>
-                  </a:cubicBezTo>
-                  <a:cubicBezTo>
-                    <a:pt x="2223054" y="1184693"/>
-                    <a:pt x="2148519" y="1487127"/>
-                    <a:pt x="2209030" y="1634682"/>
-                  </a:cubicBezTo>
-                  <a:cubicBezTo>
-                    <a:pt x="2269541" y="1782237"/>
-                    <a:pt x="2149004" y="1975729"/>
-                    <a:pt x="2209030" y="2209030"/>
-                  </a:cubicBezTo>
-                  <a:cubicBezTo>
-                    <a:pt x="2020903" y="2221978"/>
-                    <a:pt x="1852183" y="2180102"/>
-                    <a:pt x="1723043" y="2209030"/>
-                  </a:cubicBezTo>
-                  <a:cubicBezTo>
-                    <a:pt x="1593903" y="2237958"/>
-                    <a:pt x="1346454" y="2143023"/>
-                    <a:pt x="1148696" y="2209030"/>
-                  </a:cubicBezTo>
-                  <a:cubicBezTo>
-                    <a:pt x="950938" y="2275037"/>
-                    <a:pt x="862589" y="2159128"/>
-                    <a:pt x="640619" y="2209030"/>
-                  </a:cubicBezTo>
-                  <a:cubicBezTo>
-                    <a:pt x="418649" y="2258932"/>
-                    <a:pt x="309351" y="2205800"/>
-                    <a:pt x="0" y="2209030"/>
-                  </a:cubicBezTo>
-                  <a:cubicBezTo>
-                    <a:pt x="-6987" y="1998336"/>
-                    <a:pt x="58956" y="1875685"/>
-                    <a:pt x="0" y="1678863"/>
-                  </a:cubicBezTo>
-                  <a:cubicBezTo>
-                    <a:pt x="-58956" y="1482041"/>
-                    <a:pt x="26089" y="1344302"/>
-                    <a:pt x="0" y="1126605"/>
-                  </a:cubicBezTo>
-                  <a:cubicBezTo>
-                    <a:pt x="-26089" y="908908"/>
-                    <a:pt x="28981" y="776130"/>
-                    <a:pt x="0" y="552258"/>
-                  </a:cubicBezTo>
-                  <a:cubicBezTo>
-                    <a:pt x="-28981" y="328386"/>
-                    <a:pt x="58476" y="134672"/>
-                    <a:pt x="0" y="0"/>
-                  </a:cubicBezTo>
-                  <a:close/>
-                </a:path>
-                <a:path w="2209030" h="2209030" stroke="0" extrusionOk="0">
-                  <a:moveTo>
-                    <a:pt x="0" y="0"/>
-                  </a:moveTo>
-                  <a:cubicBezTo>
-                    <a:pt x="257850" y="-42263"/>
-                    <a:pt x="266153" y="48670"/>
-                    <a:pt x="530167" y="0"/>
-                  </a:cubicBezTo>
-                  <a:cubicBezTo>
-                    <a:pt x="794181" y="-48670"/>
-                    <a:pt x="807170" y="57184"/>
-                    <a:pt x="1016154" y="0"/>
-                  </a:cubicBezTo>
-                  <a:cubicBezTo>
-                    <a:pt x="1225138" y="-57184"/>
-                    <a:pt x="1442023" y="59183"/>
-                    <a:pt x="1612592" y="0"/>
-                  </a:cubicBezTo>
-                  <a:cubicBezTo>
-                    <a:pt x="1783161" y="-59183"/>
-                    <a:pt x="2019167" y="25502"/>
-                    <a:pt x="2209030" y="0"/>
-                  </a:cubicBezTo>
-                  <a:cubicBezTo>
-                    <a:pt x="2212043" y="216440"/>
-                    <a:pt x="2155824" y="387267"/>
-                    <a:pt x="2209030" y="530167"/>
-                  </a:cubicBezTo>
-                  <a:cubicBezTo>
-                    <a:pt x="2262236" y="673067"/>
-                    <a:pt x="2190879" y="836151"/>
-                    <a:pt x="2209030" y="1038244"/>
-                  </a:cubicBezTo>
-                  <a:cubicBezTo>
-                    <a:pt x="2227181" y="1240337"/>
-                    <a:pt x="2176149" y="1422537"/>
-                    <a:pt x="2209030" y="1590502"/>
-                  </a:cubicBezTo>
-                  <a:cubicBezTo>
-                    <a:pt x="2241911" y="1758467"/>
-                    <a:pt x="2198318" y="2032531"/>
-                    <a:pt x="2209030" y="2209030"/>
-                  </a:cubicBezTo>
-                  <a:cubicBezTo>
-                    <a:pt x="2099782" y="2230063"/>
-                    <a:pt x="1845750" y="2170025"/>
-                    <a:pt x="1700953" y="2209030"/>
-                  </a:cubicBezTo>
-                  <a:cubicBezTo>
-                    <a:pt x="1556156" y="2248035"/>
-                    <a:pt x="1418859" y="2150469"/>
-                    <a:pt x="1148696" y="2209030"/>
-                  </a:cubicBezTo>
-                  <a:cubicBezTo>
-                    <a:pt x="878533" y="2267591"/>
-                    <a:pt x="829530" y="2184717"/>
-                    <a:pt x="596438" y="2209030"/>
-                  </a:cubicBezTo>
-                  <a:cubicBezTo>
-                    <a:pt x="363346" y="2233343"/>
-                    <a:pt x="229635" y="2180838"/>
-                    <a:pt x="0" y="2209030"/>
-                  </a:cubicBezTo>
-                  <a:cubicBezTo>
-                    <a:pt x="-3497" y="2021103"/>
-                    <a:pt x="29450" y="1758490"/>
-                    <a:pt x="0" y="1612592"/>
-                  </a:cubicBezTo>
-                  <a:cubicBezTo>
-                    <a:pt x="-29450" y="1466694"/>
-                    <a:pt x="65943" y="1235304"/>
-                    <a:pt x="0" y="1016154"/>
-                  </a:cubicBezTo>
-                  <a:cubicBezTo>
-                    <a:pt x="-65943" y="797004"/>
-                    <a:pt x="21384" y="264400"/>
-                    <a:pt x="0" y="0"/>
-                  </a:cubicBezTo>
-                  <a:close/>
-                </a:path>
-              </a:pathLst>
-            </a:custGeom>
-            <a:ln w="101600" cap="rnd">
-              <a:solidFill>
-                <a:schemeClr val="accent1"/>
-              </a:solidFill>
-              <a:extLst>
-                <a:ext uri="{C807C97D-BFC1-408E-A445-0C87EB9F89A2}">
-                  <ask:lineSketchStyleProps xmlns:ask="http://schemas.microsoft.com/office/drawing/2018/sketchyshapes" sd="1219033472">
-                    <a:prstGeom prst="rect">
-                      <a:avLst/>
-                    </a:prstGeom>
-                    <ask:type>
-                      <ask:lineSketchScribble/>
-                    </ask:type>
-                  </ask:lineSketchStyleProps>
-                </a:ext>
-              </a:extLst>
-            </a:ln>
-          </p:spPr>
-          <p:style>
-            <a:lnRef idx="2">
-              <a:schemeClr val="accent1">
-                <a:shade val="50000"/>
-              </a:schemeClr>
-            </a:lnRef>
-            <a:fillRef idx="1">
-              <a:schemeClr val="accent1"/>
-            </a:fillRef>
-            <a:effectRef idx="0">
-              <a:schemeClr val="accent1"/>
-            </a:effectRef>
-            <a:fontRef idx="minor">
-              <a:schemeClr val="lt1"/>
-            </a:fontRef>
-          </p:style>
-          <p:txBody>
-            <a:bodyPr rtlCol="0" anchor="ctr"/>
-            <a:lstStyle/>
-            <a:p>
-              <a:pPr algn="ctr"/>
-              <a:endParaRPr lang="en-US" dirty="0"/>
-            </a:p>
-          </p:txBody>
-        </p:sp>
-        <p:pic>
-          <p:nvPicPr>
-            <p:cNvPr id="14" name="Graphic 13" descr="Keyboard outline">
-              <a:extLst>
-                <a:ext uri="{FF2B5EF4-FFF2-40B4-BE49-F238E27FC236}">
-                  <a16:creationId xmlns:a16="http://schemas.microsoft.com/office/drawing/2014/main" id="{1C6E8EDC-3EF3-BD40-924A-7F4CF6F9E031}"/>
-                </a:ext>
-              </a:extLst>
-            </p:cNvPr>
-            <p:cNvPicPr>
-              <a:picLocks noChangeAspect="1"/>
-            </p:cNvPicPr>
-            <p:nvPr/>
-          </p:nvPicPr>
-          <p:blipFill>
-            <a:blip r:embed="rId2">
-              <a:extLst>
-                <a:ext uri="{96DAC541-7B7A-43D3-8B79-37D633B846F1}">
-                  <asvg:svgBlip xmlns:asvg="http://schemas.microsoft.com/office/drawing/2016/SVG/main" r:embed="rId3"/>
-                </a:ext>
-              </a:extLst>
-            </a:blip>
-            <a:stretch>
-              <a:fillRect/>
-            </a:stretch>
-          </p:blipFill>
-          <p:spPr>
-            <a:xfrm>
-              <a:off x="3700554" y="2366792"/>
-              <a:ext cx="2045196" cy="2124416"/>
-            </a:xfrm>
-            <a:prstGeom prst="rect">
-              <a:avLst/>
-            </a:prstGeom>
-          </p:spPr>
-        </p:pic>
-        <p:sp>
-          <p:nvSpPr>
-            <p:cNvPr id="13" name="TextBox 12">
-              <a:extLst>
-                <a:ext uri="{FF2B5EF4-FFF2-40B4-BE49-F238E27FC236}">
-                  <a16:creationId xmlns:a16="http://schemas.microsoft.com/office/drawing/2014/main" id="{6EB4AAE1-09F4-1C46-AD83-9CE6FF90B1E6}"/>
-                </a:ext>
-              </a:extLst>
-            </p:cNvPr>
-            <p:cNvSpPr txBox="1"/>
-            <p:nvPr/>
-          </p:nvSpPr>
-          <p:spPr>
-            <a:xfrm>
-              <a:off x="3834249" y="1220670"/>
-              <a:ext cx="2365548" cy="3170099"/>
-            </a:xfrm>
-            <a:prstGeom prst="rect">
-              <a:avLst/>
-            </a:prstGeom>
-            <a:noFill/>
-          </p:spPr>
-          <p:txBody>
-            <a:bodyPr wrap="square" rtlCol="0">
-              <a:spAutoFit/>
-            </a:bodyPr>
-            <a:lstStyle/>
-            <a:p>
-              <a:r>
-                <a:rPr lang="en-US" sz="20000" dirty="0">
-                  <a:solidFill>
-                    <a:schemeClr val="accent6">
-                      <a:lumMod val="60000"/>
-                      <a:lumOff val="40000"/>
-                    </a:schemeClr>
-                  </a:solidFill>
-                  <a:latin typeface="Chalkboard SE" panose="03050602040202020205" pitchFamily="66" charset="77"/>
-                  <a:cs typeface="Biome" panose="020B0604020202020204" pitchFamily="34" charset="0"/>
-                </a:rPr>
-                <a:t>A</a:t>
-              </a:r>
-            </a:p>
-          </p:txBody>
-        </p:sp>
-      </p:grpSp>
+              </a:rPr>
+              <a:t>ARTE</a:t>
+            </a:r>
+          </a:p>
+        </p:txBody>
+      </p:sp>
     </p:spTree>
     <p:extLst>
       <p:ext uri="{BB962C8B-B14F-4D97-AF65-F5344CB8AC3E}">
@@ -4246,10 +3084,128 @@
 </p:sld>
 </file>
 
+<file path=ppt/slides/slide2.xml><?xml version="1.0" encoding="utf-8"?>
+<p:sld xmlns:a="http://schemas.openxmlformats.org/drawingml/2006/main" xmlns:r="http://schemas.openxmlformats.org/officeDocument/2006/relationships" xmlns:p="http://schemas.openxmlformats.org/presentationml/2006/main">
+  <p:cSld>
+    <p:bg>
+      <p:bgPr>
+        <a:solidFill>
+          <a:srgbClr val="4472C4"/>
+        </a:solidFill>
+        <a:effectLst/>
+      </p:bgPr>
+    </p:bg>
+    <p:spTree>
+      <p:nvGrpSpPr>
+        <p:cNvPr id="1" name=""/>
+        <p:cNvGrpSpPr/>
+        <p:nvPr/>
+      </p:nvGrpSpPr>
+      <p:grpSpPr>
+        <a:xfrm>
+          <a:off x="0" y="0"/>
+          <a:ext cx="0" cy="0"/>
+          <a:chOff x="0" y="0"/>
+          <a:chExt cx="0" cy="0"/>
+        </a:xfrm>
+      </p:grpSpPr>
+      <p:pic>
+        <p:nvPicPr>
+          <p:cNvPr id="5" name="Graphic 4" descr="Keyboard outline">
+            <a:extLst>
+              <a:ext uri="{FF2B5EF4-FFF2-40B4-BE49-F238E27FC236}">
+                <a16:creationId xmlns:a16="http://schemas.microsoft.com/office/drawing/2014/main" id="{ABE01735-B996-514A-B5B6-10189C7E54FD}"/>
+              </a:ext>
+            </a:extLst>
+          </p:cNvPr>
+          <p:cNvPicPr>
+            <a:picLocks noChangeAspect="1"/>
+          </p:cNvPicPr>
+          <p:nvPr/>
+        </p:nvPicPr>
+        <p:blipFill>
+          <a:blip r:embed="rId2">
+            <a:extLst>
+              <a:ext uri="{96DAC541-7B7A-43D3-8B79-37D633B846F1}">
+                <asvg:svgBlip xmlns:asvg="http://schemas.microsoft.com/office/drawing/2016/SVG/main" r:embed="rId3"/>
+              </a:ext>
+            </a:extLst>
+          </a:blip>
+          <a:stretch>
+            <a:fillRect/>
+          </a:stretch>
+        </p:blipFill>
+        <p:spPr>
+          <a:xfrm>
+            <a:off x="391887" y="2320428"/>
+            <a:ext cx="6357256" cy="5940088"/>
+          </a:xfrm>
+          <a:prstGeom prst="rect">
+            <a:avLst/>
+          </a:prstGeom>
+        </p:spPr>
+      </p:pic>
+      <p:sp>
+        <p:nvSpPr>
+          <p:cNvPr id="3" name="TextBox 2">
+            <a:extLst>
+              <a:ext uri="{FF2B5EF4-FFF2-40B4-BE49-F238E27FC236}">
+                <a16:creationId xmlns:a16="http://schemas.microsoft.com/office/drawing/2014/main" id="{53E8CBB8-D25A-F840-89B1-792F4A91FA88}"/>
+              </a:ext>
+            </a:extLst>
+          </p:cNvPr>
+          <p:cNvSpPr txBox="1"/>
+          <p:nvPr/>
+        </p:nvSpPr>
+        <p:spPr>
+          <a:xfrm>
+            <a:off x="1074171" y="-1295206"/>
+            <a:ext cx="4354286" cy="9325630"/>
+          </a:xfrm>
+          <a:prstGeom prst="rect">
+            <a:avLst/>
+          </a:prstGeom>
+          <a:noFill/>
+        </p:spPr>
+        <p:txBody>
+          <a:bodyPr wrap="square" rtlCol="0">
+            <a:spAutoFit/>
+          </a:bodyPr>
+          <a:lstStyle/>
+          <a:p>
+            <a:r>
+              <a:rPr lang="en-US" sz="60000" dirty="0">
+                <a:solidFill>
+                  <a:schemeClr val="accent6">
+                    <a:lumMod val="60000"/>
+                    <a:lumOff val="40000"/>
+                  </a:schemeClr>
+                </a:solidFill>
+                <a:latin typeface="Chalkboard SE" panose="03050602040202020205" pitchFamily="66" charset="77"/>
+                <a:cs typeface="Biome" panose="020B0604020202020204" pitchFamily="34" charset="0"/>
+              </a:rPr>
+              <a:t>A</a:t>
+            </a:r>
+          </a:p>
+        </p:txBody>
+      </p:sp>
+    </p:spTree>
+    <p:extLst>
+      <p:ext uri="{BB962C8B-B14F-4D97-AF65-F5344CB8AC3E}">
+        <p14:creationId xmlns:p14="http://schemas.microsoft.com/office/powerpoint/2010/main" val="1805964202"/>
+      </p:ext>
+    </p:extLst>
+  </p:cSld>
+  <p:clrMapOvr>
+    <a:masterClrMapping/>
+  </p:clrMapOvr>
+</p:sld>
+</file>
+
 <file path=ppt/theme/theme1.xml><?xml version="1.0" encoding="utf-8"?>
 <a:theme xmlns:a="http://schemas.openxmlformats.org/drawingml/2006/main" name="Office Theme">
   <a:themeElements>
-    <a:clrScheme name="Office">
+    <a:clrScheme name="Office Theme">
       <a:dk1>
         <a:sysClr val="windowText" lastClr="000000"/>
       </a:dk1>
@@ -4287,7 +3243,7 @@
         <a:srgbClr val="954F72"/>
       </a:folHlink>
     </a:clrScheme>
-    <a:fontScheme name="Office">
+    <a:fontScheme name="Office Theme">
       <a:majorFont>
         <a:latin typeface="Calibri Light" panose="020F0302020204030204"/>
         <a:ea typeface=""/>
@@ -4322,23 +3278,6 @@
         <a:font script="Viet" typeface="Times New Roman"/>
         <a:font script="Uigh" typeface="Microsoft Uighur"/>
         <a:font script="Geor" typeface="Sylfaen"/>
-        <a:font script="Armn" typeface="Arial"/>
-        <a:font script="Bugi" typeface="Leelawadee UI"/>
-        <a:font script="Bopo" typeface="Microsoft JhengHei"/>
-        <a:font script="Java" typeface="Javanese Text"/>
-        <a:font script="Lisu" typeface="Segoe UI"/>
-        <a:font script="Mymr" typeface="Myanmar Text"/>
-        <a:font script="Nkoo" typeface="Ebrima"/>
-        <a:font script="Olck" typeface="Nirmala UI"/>
-        <a:font script="Osma" typeface="Ebrima"/>
-        <a:font script="Phag" typeface="Phagspa"/>
-        <a:font script="Syrn" typeface="Estrangelo Edessa"/>
-        <a:font script="Syrj" typeface="Estrangelo Edessa"/>
-        <a:font script="Syre" typeface="Estrangelo Edessa"/>
-        <a:font script="Sora" typeface="Nirmala UI"/>
-        <a:font script="Tale" typeface="Microsoft Tai Le"/>
-        <a:font script="Talu" typeface="Microsoft New Tai Lue"/>
-        <a:font script="Tfng" typeface="Ebrima"/>
       </a:majorFont>
       <a:minorFont>
         <a:latin typeface="Calibri" panose="020F0502020204030204"/>
@@ -4374,26 +3313,9 @@
         <a:font script="Viet" typeface="Arial"/>
         <a:font script="Uigh" typeface="Microsoft Uighur"/>
         <a:font script="Geor" typeface="Sylfaen"/>
-        <a:font script="Armn" typeface="Arial"/>
-        <a:font script="Bugi" typeface="Leelawadee UI"/>
-        <a:font script="Bopo" typeface="Microsoft JhengHei"/>
-        <a:font script="Java" typeface="Javanese Text"/>
-        <a:font script="Lisu" typeface="Segoe UI"/>
-        <a:font script="Mymr" typeface="Myanmar Text"/>
-        <a:font script="Nkoo" typeface="Ebrima"/>
-        <a:font script="Olck" typeface="Nirmala UI"/>
-        <a:font script="Osma" typeface="Ebrima"/>
-        <a:font script="Phag" typeface="Phagspa"/>
-        <a:font script="Syrn" typeface="Estrangelo Edessa"/>
-        <a:font script="Syrj" typeface="Estrangelo Edessa"/>
-        <a:font script="Syre" typeface="Estrangelo Edessa"/>
-        <a:font script="Sora" typeface="Nirmala UI"/>
-        <a:font script="Tale" typeface="Microsoft Tai Le"/>
-        <a:font script="Talu" typeface="Microsoft New Tai Lue"/>
-        <a:font script="Tfng" typeface="Ebrima"/>
       </a:minorFont>
     </a:fontScheme>
-    <a:fmtScheme name="Office">
+    <a:fmtScheme name="Office Theme">
       <a:fillStyleLst>
         <a:solidFill>
           <a:schemeClr val="phClr"/>
